--- a/lectures/MachineLearning.pptx
+++ b/lectures/MachineLearning.pptx
@@ -5,40 +5,39 @@
     <p:sldMasterId id="2147483657" r:id="rId1"/>
   </p:sldMasterIdLst>
   <p:notesMasterIdLst>
-    <p:notesMasterId r:id="rId9"/>
+    <p:notesMasterId r:id="rId8"/>
   </p:notesMasterIdLst>
   <p:sldIdLst>
     <p:sldId id="259" r:id="rId2"/>
     <p:sldId id="261" r:id="rId3"/>
     <p:sldId id="262" r:id="rId4"/>
     <p:sldId id="263" r:id="rId5"/>
-    <p:sldId id="269" r:id="rId6"/>
-    <p:sldId id="268" r:id="rId7"/>
-    <p:sldId id="274" r:id="rId8"/>
+    <p:sldId id="268" r:id="rId6"/>
+    <p:sldId id="274" r:id="rId7"/>
   </p:sldIdLst>
   <p:sldSz cx="9144000" cy="5143500" type="screen16x9"/>
   <p:notesSz cx="6858000" cy="9144000"/>
   <p:embeddedFontLst>
     <p:embeddedFont>
       <p:font typeface="Arvo" panose="020B0604020202020204" charset="0"/>
-      <p:regular r:id="rId10"/>
-      <p:bold r:id="rId11"/>
-      <p:italic r:id="rId12"/>
-      <p:boldItalic r:id="rId13"/>
+      <p:regular r:id="rId9"/>
+      <p:bold r:id="rId10"/>
+      <p:italic r:id="rId11"/>
+      <p:boldItalic r:id="rId12"/>
     </p:embeddedFont>
     <p:embeddedFont>
-      <p:font typeface="Roboto Condensed" panose="020B0604020202020204" charset="0"/>
-      <p:regular r:id="rId14"/>
-      <p:bold r:id="rId15"/>
-      <p:italic r:id="rId16"/>
-      <p:boldItalic r:id="rId17"/>
+      <p:font typeface="Roboto Condensed" panose="02000000000000000000" pitchFamily="2" charset="0"/>
+      <p:regular r:id="rId13"/>
+      <p:bold r:id="rId14"/>
+      <p:italic r:id="rId15"/>
+      <p:boldItalic r:id="rId16"/>
     </p:embeddedFont>
     <p:embeddedFont>
-      <p:font typeface="Roboto Condensed Light" panose="020B0604020202020204" charset="0"/>
-      <p:regular r:id="rId18"/>
-      <p:bold r:id="rId19"/>
-      <p:italic r:id="rId20"/>
-      <p:boldItalic r:id="rId21"/>
+      <p:font typeface="Roboto Condensed Light" panose="02000000000000000000" pitchFamily="2" charset="0"/>
+      <p:regular r:id="rId17"/>
+      <p:bold r:id="rId18"/>
+      <p:italic r:id="rId19"/>
+      <p:boldItalic r:id="rId20"/>
     </p:embeddedFont>
   </p:embeddedFontLst>
   <p:defaultTextStyle>
@@ -251,6 +250,42 @@
 </p:presentation>
 </file>
 
+<file path=ppt/changesInfos/changesInfo1.xml><?xml version="1.0" encoding="utf-8"?>
+<pc:chgInfo xmlns:a="http://schemas.openxmlformats.org/drawingml/2006/main" xmlns:r="http://schemas.openxmlformats.org/officeDocument/2006/relationships" xmlns:ac="http://schemas.microsoft.com/office/drawing/2013/main/command" xmlns:pc="http://schemas.microsoft.com/office/powerpoint/2013/main/command">
+  <pc:docChgLst>
+    <pc:chgData name="Jan" userId="185de13651d64d23" providerId="LiveId" clId="{C9AEA7E6-420F-4B9C-9A7F-767235CF6144}"/>
+    <pc:docChg chg="delSld modSld">
+      <pc:chgData name="Jan" userId="185de13651d64d23" providerId="LiveId" clId="{C9AEA7E6-420F-4B9C-9A7F-767235CF6144}" dt="2022-11-12T14:25:36.577" v="1" actId="20577"/>
+      <pc:docMkLst>
+        <pc:docMk/>
+      </pc:docMkLst>
+      <pc:sldChg chg="del">
+        <pc:chgData name="Jan" userId="185de13651d64d23" providerId="LiveId" clId="{C9AEA7E6-420F-4B9C-9A7F-767235CF6144}" dt="2022-11-12T14:25:27.075" v="0" actId="47"/>
+        <pc:sldMkLst>
+          <pc:docMk/>
+          <pc:sldMk cId="1383592431" sldId="269"/>
+        </pc:sldMkLst>
+      </pc:sldChg>
+      <pc:sldChg chg="modSp mod">
+        <pc:chgData name="Jan" userId="185de13651d64d23" providerId="LiveId" clId="{C9AEA7E6-420F-4B9C-9A7F-767235CF6144}" dt="2022-11-12T14:25:36.577" v="1" actId="20577"/>
+        <pc:sldMkLst>
+          <pc:docMk/>
+          <pc:sldMk cId="2954417407" sldId="274"/>
+        </pc:sldMkLst>
+        <pc:spChg chg="mod">
+          <ac:chgData name="Jan" userId="185de13651d64d23" providerId="LiveId" clId="{C9AEA7E6-420F-4B9C-9A7F-767235CF6144}" dt="2022-11-12T14:25:36.577" v="1" actId="20577"/>
+          <ac:spMkLst>
+            <pc:docMk/>
+            <pc:sldMk cId="2954417407" sldId="274"/>
+            <ac:spMk id="237" creationId="{00000000-0000-0000-0000-000000000000}"/>
+          </ac:spMkLst>
+        </pc:spChg>
+      </pc:sldChg>
+    </pc:docChg>
+  </pc:docChgLst>
+</pc:chgInfo>
+</file>
+
 <file path=ppt/notesMasters/notesMaster1.xml><?xml version="1.0" encoding="utf-8"?>
 <p:notesMaster xmlns:a="http://schemas.openxmlformats.org/drawingml/2006/main" xmlns:r="http://schemas.openxmlformats.org/officeDocument/2006/relationships" xmlns:p="http://schemas.openxmlformats.org/presentationml/2006/main">
   <p:cSld>
@@ -1036,7 +1071,7 @@
     </p:spTree>
     <p:extLst>
       <p:ext uri="{BB962C8B-B14F-4D97-AF65-F5344CB8AC3E}">
-        <p14:creationId xmlns:p14="http://schemas.microsoft.com/office/powerpoint/2010/main" val="3476641538"/>
+        <p14:creationId xmlns:p14="http://schemas.microsoft.com/office/powerpoint/2010/main" val="3237256385"/>
       </p:ext>
     </p:extLst>
   </p:cSld>
@@ -1047,112 +1082,6 @@
 </file>
 
 <file path=ppt/notesSlides/notesSlide6.xml><?xml version="1.0" encoding="utf-8"?>
-<p:notes xmlns:a="http://schemas.openxmlformats.org/drawingml/2006/main" xmlns:r="http://schemas.openxmlformats.org/officeDocument/2006/relationships" xmlns:p="http://schemas.openxmlformats.org/presentationml/2006/main" showMasterSp="0" showMasterPhAnim="0">
-  <p:cSld>
-    <p:spTree>
-      <p:nvGrpSpPr>
-        <p:cNvPr id="1" name="Shape 232"/>
-        <p:cNvGrpSpPr/>
-        <p:nvPr/>
-      </p:nvGrpSpPr>
-      <p:grpSpPr>
-        <a:xfrm>
-          <a:off x="0" y="0"/>
-          <a:ext cx="0" cy="0"/>
-          <a:chOff x="0" y="0"/>
-          <a:chExt cx="0" cy="0"/>
-        </a:xfrm>
-      </p:grpSpPr>
-      <p:sp>
-        <p:nvSpPr>
-          <p:cNvPr id="233" name="Shape 233"/>
-          <p:cNvSpPr>
-            <a:spLocks noGrp="1" noRot="1" noChangeAspect="1"/>
-          </p:cNvSpPr>
-          <p:nvPr>
-            <p:ph type="sldImg" idx="2"/>
-          </p:nvPr>
-        </p:nvSpPr>
-        <p:spPr>
-          <a:xfrm>
-            <a:off x="381000" y="685800"/>
-            <a:ext cx="6096000" cy="3429000"/>
-          </a:xfrm>
-          <a:custGeom>
-            <a:avLst/>
-            <a:gdLst/>
-            <a:ahLst/>
-            <a:cxnLst/>
-            <a:rect l="0" t="0" r="0" b="0"/>
-            <a:pathLst>
-              <a:path w="120000" h="120000" extrusionOk="0">
-                <a:moveTo>
-                  <a:pt x="0" y="0"/>
-                </a:moveTo>
-                <a:lnTo>
-                  <a:pt x="120000" y="0"/>
-                </a:lnTo>
-                <a:lnTo>
-                  <a:pt x="120000" y="120000"/>
-                </a:lnTo>
-                <a:lnTo>
-                  <a:pt x="0" y="120000"/>
-                </a:lnTo>
-                <a:close/>
-              </a:path>
-            </a:pathLst>
-          </a:custGeom>
-        </p:spPr>
-      </p:sp>
-      <p:sp>
-        <p:nvSpPr>
-          <p:cNvPr id="234" name="Shape 234"/>
-          <p:cNvSpPr txBox="1">
-            <a:spLocks noGrp="1"/>
-          </p:cNvSpPr>
-          <p:nvPr>
-            <p:ph type="body" idx="1"/>
-          </p:nvPr>
-        </p:nvSpPr>
-        <p:spPr>
-          <a:xfrm>
-            <a:off x="685800" y="4343400"/>
-            <a:ext cx="5486400" cy="4114800"/>
-          </a:xfrm>
-          <a:prstGeom prst="rect">
-            <a:avLst/>
-          </a:prstGeom>
-        </p:spPr>
-        <p:txBody>
-          <a:bodyPr wrap="square" lIns="91425" tIns="91425" rIns="91425" bIns="91425" anchor="t" anchorCtr="0">
-            <a:noAutofit/>
-          </a:bodyPr>
-          <a:lstStyle/>
-          <a:p>
-            <a:pPr lvl="0">
-              <a:spcBef>
-                <a:spcPts val="0"/>
-              </a:spcBef>
-              <a:buNone/>
-            </a:pPr>
-            <a:endParaRPr/>
-          </a:p>
-        </p:txBody>
-      </p:sp>
-    </p:spTree>
-    <p:extLst>
-      <p:ext uri="{BB962C8B-B14F-4D97-AF65-F5344CB8AC3E}">
-        <p14:creationId xmlns:p14="http://schemas.microsoft.com/office/powerpoint/2010/main" val="3237256385"/>
-      </p:ext>
-    </p:extLst>
-  </p:cSld>
-  <p:clrMapOvr>
-    <a:masterClrMapping/>
-  </p:clrMapOvr>
-</p:notes>
-</file>
-
-<file path=ppt/notesSlides/notesSlide7.xml><?xml version="1.0" encoding="utf-8"?>
 <p:notes xmlns:a="http://schemas.openxmlformats.org/drawingml/2006/main" xmlns:r="http://schemas.openxmlformats.org/officeDocument/2006/relationships" xmlns:p="http://schemas.openxmlformats.org/presentationml/2006/main" showMasterSp="0" showMasterPhAnim="0">
   <p:cSld>
     <p:spTree>
@@ -6482,187 +6411,6 @@
             <a:pPr lvl="0"/>
             <a:r>
               <a:rPr lang="de-DE" dirty="0"/>
-              <a:t>WICHTIGE EIGENSCHAFTEN</a:t>
-            </a:r>
-            <a:endParaRPr lang="en" dirty="0"/>
-          </a:p>
-        </p:txBody>
-      </p:sp>
-      <p:sp>
-        <p:nvSpPr>
-          <p:cNvPr id="237" name="Shape 237"/>
-          <p:cNvSpPr txBox="1">
-            <a:spLocks noGrp="1"/>
-          </p:cNvSpPr>
-          <p:nvPr>
-            <p:ph type="body" idx="1"/>
-          </p:nvPr>
-        </p:nvSpPr>
-        <p:spPr>
-          <a:xfrm>
-            <a:off x="814274" y="1327350"/>
-            <a:ext cx="7018377" cy="3145500"/>
-          </a:xfrm>
-          <a:prstGeom prst="rect">
-            <a:avLst/>
-          </a:prstGeom>
-        </p:spPr>
-        <p:txBody>
-          <a:bodyPr wrap="square" lIns="91425" tIns="91425" rIns="91425" bIns="91425" anchor="ctr" anchorCtr="0">
-            <a:noAutofit/>
-          </a:bodyPr>
-          <a:lstStyle/>
-          <a:p>
-            <a:pPr marL="457200" lvl="0" indent="-381000" rtl="0">
-              <a:spcBef>
-                <a:spcPts val="0"/>
-              </a:spcBef>
-              <a:spcAft>
-                <a:spcPts val="1000"/>
-              </a:spcAft>
-              <a:buSzPct val="100000"/>
-              <a:buFont typeface="Arial" panose="020B0604020202020204" pitchFamily="34" charset="0"/>
-              <a:buChar char="•"/>
-            </a:pPr>
-            <a:r>
-              <a:rPr lang="de-DE" dirty="0"/>
-              <a:t>Anhand stochastischer Daten sein Modell der Realität annähern</a:t>
-            </a:r>
-          </a:p>
-          <a:p>
-            <a:pPr marL="457200" lvl="0" indent="-381000" rtl="0">
-              <a:spcBef>
-                <a:spcPts val="0"/>
-              </a:spcBef>
-              <a:spcAft>
-                <a:spcPts val="1000"/>
-              </a:spcAft>
-              <a:buSzPct val="100000"/>
-              <a:buFont typeface="Arial" panose="020B0604020202020204" pitchFamily="34" charset="0"/>
-              <a:buChar char="•"/>
-            </a:pPr>
-            <a:r>
-              <a:rPr lang="de-DE" dirty="0"/>
-              <a:t>Endet meist nicht in einem beweisbaren optimalen Modell</a:t>
-            </a:r>
-          </a:p>
-          <a:p>
-            <a:pPr marL="457200" lvl="0" indent="-381000" rtl="0">
-              <a:spcBef>
-                <a:spcPts val="0"/>
-              </a:spcBef>
-              <a:spcAft>
-                <a:spcPts val="1000"/>
-              </a:spcAft>
-              <a:buSzPct val="100000"/>
-              <a:buFont typeface="Arial" panose="020B0604020202020204" pitchFamily="34" charset="0"/>
-              <a:buChar char="•"/>
-            </a:pPr>
-            <a:r>
-              <a:rPr lang="de-DE" dirty="0"/>
-              <a:t>Viele verschiedene, gleichgute Modelle denkbar</a:t>
-            </a:r>
-            <a:endParaRPr lang="en" dirty="0"/>
-          </a:p>
-        </p:txBody>
-      </p:sp>
-      <p:sp>
-        <p:nvSpPr>
-          <p:cNvPr id="238" name="Shape 238"/>
-          <p:cNvSpPr txBox="1">
-            <a:spLocks noGrp="1"/>
-          </p:cNvSpPr>
-          <p:nvPr>
-            <p:ph type="sldNum" idx="12"/>
-          </p:nvPr>
-        </p:nvSpPr>
-        <p:spPr>
-          <a:xfrm>
-            <a:off x="7618000" y="4636500"/>
-            <a:ext cx="1487400" cy="315600"/>
-          </a:xfrm>
-          <a:prstGeom prst="rect">
-            <a:avLst/>
-          </a:prstGeom>
-        </p:spPr>
-        <p:txBody>
-          <a:bodyPr wrap="square" lIns="91425" tIns="91425" rIns="91425" bIns="91425" anchor="ctr" anchorCtr="0">
-            <a:noAutofit/>
-          </a:bodyPr>
-          <a:lstStyle/>
-          <a:p>
-            <a:pPr lvl="0">
-              <a:spcBef>
-                <a:spcPts val="0"/>
-              </a:spcBef>
-              <a:buNone/>
-            </a:pPr>
-            <a:fld id="{00000000-1234-1234-1234-123412341234}" type="slidenum">
-              <a:rPr lang="en"/>
-              <a:t>5</a:t>
-            </a:fld>
-            <a:endParaRPr lang="en"/>
-          </a:p>
-        </p:txBody>
-      </p:sp>
-    </p:spTree>
-    <p:extLst>
-      <p:ext uri="{BB962C8B-B14F-4D97-AF65-F5344CB8AC3E}">
-        <p14:creationId xmlns:p14="http://schemas.microsoft.com/office/powerpoint/2010/main" val="1383592431"/>
-      </p:ext>
-    </p:extLst>
-  </p:cSld>
-  <p:clrMapOvr>
-    <a:masterClrMapping/>
-  </p:clrMapOvr>
-</p:sld>
-</file>
-
-<file path=ppt/slides/slide6.xml><?xml version="1.0" encoding="utf-8"?>
-<p:sld xmlns:a="http://schemas.openxmlformats.org/drawingml/2006/main" xmlns:r="http://schemas.openxmlformats.org/officeDocument/2006/relationships" xmlns:p="http://schemas.openxmlformats.org/presentationml/2006/main">
-  <p:cSld>
-    <p:spTree>
-      <p:nvGrpSpPr>
-        <p:cNvPr id="1" name="Shape 235"/>
-        <p:cNvGrpSpPr/>
-        <p:nvPr/>
-      </p:nvGrpSpPr>
-      <p:grpSpPr>
-        <a:xfrm>
-          <a:off x="0" y="0"/>
-          <a:ext cx="0" cy="0"/>
-          <a:chOff x="0" y="0"/>
-          <a:chExt cx="0" cy="0"/>
-        </a:xfrm>
-      </p:grpSpPr>
-      <p:sp>
-        <p:nvSpPr>
-          <p:cNvPr id="236" name="Shape 236"/>
-          <p:cNvSpPr txBox="1">
-            <a:spLocks noGrp="1"/>
-          </p:cNvSpPr>
-          <p:nvPr>
-            <p:ph type="title"/>
-          </p:nvPr>
-        </p:nvSpPr>
-        <p:spPr>
-          <a:xfrm>
-            <a:off x="814275" y="392575"/>
-            <a:ext cx="5492400" cy="766200"/>
-          </a:xfrm>
-          <a:prstGeom prst="rect">
-            <a:avLst/>
-          </a:prstGeom>
-        </p:spPr>
-        <p:txBody>
-          <a:bodyPr wrap="square" lIns="91425" tIns="91425" rIns="91425" bIns="91425" anchor="ctr" anchorCtr="0">
-            <a:noAutofit/>
-          </a:bodyPr>
-          <a:lstStyle/>
-          <a:p>
-            <a:pPr lvl="0"/>
-            <a:r>
-              <a:rPr lang="de-DE" dirty="0"/>
               <a:t>WAS BENÖTIGEN WIR?</a:t>
             </a:r>
             <a:endParaRPr lang="en" dirty="0"/>
@@ -6796,7 +6544,7 @@
             </a:pPr>
             <a:fld id="{00000000-1234-1234-1234-123412341234}" type="slidenum">
               <a:rPr lang="en"/>
-              <a:t>6</a:t>
+              <a:t>5</a:t>
             </a:fld>
             <a:endParaRPr lang="en"/>
           </a:p>
@@ -6815,7 +6563,7 @@
 </p:sld>
 </file>
 
-<file path=ppt/slides/slide7.xml><?xml version="1.0" encoding="utf-8"?>
+<file path=ppt/slides/slide6.xml><?xml version="1.0" encoding="utf-8"?>
 <p:sld xmlns:a="http://schemas.openxmlformats.org/drawingml/2006/main" xmlns:r="http://schemas.openxmlformats.org/officeDocument/2006/relationships" xmlns:p="http://schemas.openxmlformats.org/presentationml/2006/main">
   <p:cSld>
     <p:spTree>
@@ -6924,23 +6672,6 @@
               <a:t>Ebenfalls benötigt man sehr viele Datenpunkte</a:t>
             </a:r>
           </a:p>
-          <a:p>
-            <a:pPr marL="457200" lvl="0" indent="-381000" rtl="0">
-              <a:spcBef>
-                <a:spcPts val="0"/>
-              </a:spcBef>
-              <a:spcAft>
-                <a:spcPts val="1000"/>
-              </a:spcAft>
-              <a:buSzPct val="100000"/>
-              <a:buFont typeface="Arial" panose="020B0604020202020204" pitchFamily="34" charset="0"/>
-              <a:buChar char="•"/>
-            </a:pPr>
-            <a:r>
-              <a:rPr lang="de-DE" dirty="0"/>
-              <a:t>In unseren Datensatz haben wir aber gar nicht so viele</a:t>
-            </a:r>
-          </a:p>
         </p:txBody>
       </p:sp>
       <p:sp>
@@ -6976,7 +6707,7 @@
             </a:pPr>
             <a:fld id="{00000000-1234-1234-1234-123412341234}" type="slidenum">
               <a:rPr lang="en"/>
-              <a:t>7</a:t>
+              <a:t>6</a:t>
             </a:fld>
             <a:endParaRPr lang="en"/>
           </a:p>

--- a/lectures/MachineLearning.pptx
+++ b/lectures/MachineLearning.pptx
@@ -5,39 +5,47 @@
     <p:sldMasterId id="2147483657" r:id="rId1"/>
   </p:sldMasterIdLst>
   <p:notesMasterIdLst>
-    <p:notesMasterId r:id="rId8"/>
+    <p:notesMasterId r:id="rId11"/>
   </p:notesMasterIdLst>
   <p:sldIdLst>
     <p:sldId id="259" r:id="rId2"/>
     <p:sldId id="261" r:id="rId3"/>
     <p:sldId id="262" r:id="rId4"/>
-    <p:sldId id="263" r:id="rId5"/>
-    <p:sldId id="268" r:id="rId6"/>
-    <p:sldId id="274" r:id="rId7"/>
+    <p:sldId id="268" r:id="rId5"/>
+    <p:sldId id="263" r:id="rId6"/>
+    <p:sldId id="273" r:id="rId7"/>
+    <p:sldId id="277" r:id="rId8"/>
+    <p:sldId id="275" r:id="rId9"/>
+    <p:sldId id="276" r:id="rId10"/>
   </p:sldIdLst>
   <p:sldSz cx="9144000" cy="5143500" type="screen16x9"/>
   <p:notesSz cx="6858000" cy="9144000"/>
   <p:embeddedFontLst>
     <p:embeddedFont>
       <p:font typeface="Arvo" panose="020B0604020202020204" charset="0"/>
-      <p:regular r:id="rId9"/>
-      <p:bold r:id="rId10"/>
-      <p:italic r:id="rId11"/>
-      <p:boldItalic r:id="rId12"/>
+      <p:regular r:id="rId12"/>
+      <p:bold r:id="rId13"/>
+      <p:italic r:id="rId14"/>
+      <p:boldItalic r:id="rId15"/>
+    </p:embeddedFont>
+    <p:embeddedFont>
+      <p:font typeface="Roboto" panose="02000000000000000000" pitchFamily="2" charset="0"/>
+      <p:regular r:id="rId16"/>
+      <p:bold r:id="rId17"/>
     </p:embeddedFont>
     <p:embeddedFont>
       <p:font typeface="Roboto Condensed" panose="02000000000000000000" pitchFamily="2" charset="0"/>
-      <p:regular r:id="rId13"/>
-      <p:bold r:id="rId14"/>
-      <p:italic r:id="rId15"/>
-      <p:boldItalic r:id="rId16"/>
+      <p:regular r:id="rId18"/>
+      <p:bold r:id="rId19"/>
+      <p:italic r:id="rId20"/>
+      <p:boldItalic r:id="rId21"/>
     </p:embeddedFont>
     <p:embeddedFont>
       <p:font typeface="Roboto Condensed Light" panose="02000000000000000000" pitchFamily="2" charset="0"/>
-      <p:regular r:id="rId17"/>
-      <p:bold r:id="rId18"/>
-      <p:italic r:id="rId19"/>
-      <p:boldItalic r:id="rId20"/>
+      <p:regular r:id="rId22"/>
+      <p:bold r:id="rId23"/>
+      <p:italic r:id="rId24"/>
+      <p:boldItalic r:id="rId25"/>
     </p:embeddedFont>
   </p:embeddedFontLst>
   <p:defaultTextStyle>
@@ -250,6 +258,14 @@
 </p:presentation>
 </file>
 
+<file path=ppt/revisionInfo.xml><?xml version="1.0" encoding="utf-8"?>
+<p1510:revInfo xmlns:a="http://schemas.openxmlformats.org/drawingml/2006/main" xmlns:r="http://schemas.openxmlformats.org/officeDocument/2006/relationships" xmlns:p1510="http://schemas.microsoft.com/office/powerpoint/2015/10/main">
+  <p1510:revLst>
+    <p1510:client id="{A0019F92-A00A-4165-95F2-8EA1718CCCB3}" v="4" dt="2023-01-02T08:30:13.880"/>
+  </p1510:revLst>
+</p1510:revInfo>
+</file>
+
 <file path=ppt/changesInfos/changesInfo1.xml><?xml version="1.0" encoding="utf-8"?>
 <pc:chgInfo xmlns:a="http://schemas.openxmlformats.org/drawingml/2006/main" xmlns:r="http://schemas.openxmlformats.org/officeDocument/2006/relationships" xmlns:ac="http://schemas.microsoft.com/office/drawing/2013/main/command" xmlns:pc="http://schemas.microsoft.com/office/powerpoint/2013/main/command">
   <pc:docChgLst>
@@ -280,6 +296,96 @@
             <ac:spMk id="237" creationId="{00000000-0000-0000-0000-000000000000}"/>
           </ac:spMkLst>
         </pc:spChg>
+      </pc:sldChg>
+    </pc:docChg>
+  </pc:docChgLst>
+  <pc:docChgLst>
+    <pc:chgData name="Jan" userId="185de13651d64d23" providerId="LiveId" clId="{A0019F92-A00A-4165-95F2-8EA1718CCCB3}"/>
+    <pc:docChg chg="undo custSel addSld delSld modSld sldOrd">
+      <pc:chgData name="Jan" userId="185de13651d64d23" providerId="LiveId" clId="{A0019F92-A00A-4165-95F2-8EA1718CCCB3}" dt="2023-01-02T08:31:34.388" v="34" actId="122"/>
+      <pc:docMkLst>
+        <pc:docMk/>
+      </pc:docMkLst>
+      <pc:sldChg chg="delSp modSp mod">
+        <pc:chgData name="Jan" userId="185de13651d64d23" providerId="LiveId" clId="{A0019F92-A00A-4165-95F2-8EA1718CCCB3}" dt="2023-01-02T08:31:34.388" v="34" actId="122"/>
+        <pc:sldMkLst>
+          <pc:docMk/>
+          <pc:sldMk cId="1540512315" sldId="263"/>
+        </pc:sldMkLst>
+        <pc:spChg chg="del">
+          <ac:chgData name="Jan" userId="185de13651d64d23" providerId="LiveId" clId="{A0019F92-A00A-4165-95F2-8EA1718CCCB3}" dt="2023-01-02T08:30:35.414" v="9" actId="478"/>
+          <ac:spMkLst>
+            <pc:docMk/>
+            <pc:sldMk cId="1540512315" sldId="263"/>
+            <ac:spMk id="2" creationId="{3C2F2E03-80C5-44F8-80E1-01F23449DB18}"/>
+          </ac:spMkLst>
+        </pc:spChg>
+        <pc:spChg chg="mod">
+          <ac:chgData name="Jan" userId="185de13651d64d23" providerId="LiveId" clId="{A0019F92-A00A-4165-95F2-8EA1718CCCB3}" dt="2023-01-02T08:31:24.200" v="32" actId="122"/>
+          <ac:spMkLst>
+            <pc:docMk/>
+            <pc:sldMk cId="1540512315" sldId="263"/>
+            <ac:spMk id="4" creationId="{085D71C4-5DC7-480B-87B0-7BAD36B1FEF0}"/>
+          </ac:spMkLst>
+        </pc:spChg>
+        <pc:graphicFrameChg chg="modGraphic">
+          <ac:chgData name="Jan" userId="185de13651d64d23" providerId="LiveId" clId="{A0019F92-A00A-4165-95F2-8EA1718CCCB3}" dt="2023-01-02T08:31:34.388" v="34" actId="122"/>
+          <ac:graphicFrameMkLst>
+            <pc:docMk/>
+            <pc:sldMk cId="1540512315" sldId="263"/>
+            <ac:graphicFrameMk id="342" creationId="{00000000-0000-0000-0000-000000000000}"/>
+          </ac:graphicFrameMkLst>
+        </pc:graphicFrameChg>
+      </pc:sldChg>
+      <pc:sldChg chg="ord">
+        <pc:chgData name="Jan" userId="185de13651d64d23" providerId="LiveId" clId="{A0019F92-A00A-4165-95F2-8EA1718CCCB3}" dt="2023-01-02T08:29:45.606" v="2"/>
+        <pc:sldMkLst>
+          <pc:docMk/>
+          <pc:sldMk cId="1472253043" sldId="268"/>
+        </pc:sldMkLst>
+      </pc:sldChg>
+      <pc:sldChg chg="modSp add mod">
+        <pc:chgData name="Jan" userId="185de13651d64d23" providerId="LiveId" clId="{A0019F92-A00A-4165-95F2-8EA1718CCCB3}" dt="2023-01-02T08:31:31.808" v="33" actId="122"/>
+        <pc:sldMkLst>
+          <pc:docMk/>
+          <pc:sldMk cId="388348998" sldId="273"/>
+        </pc:sldMkLst>
+        <pc:graphicFrameChg chg="modGraphic">
+          <ac:chgData name="Jan" userId="185de13651d64d23" providerId="LiveId" clId="{A0019F92-A00A-4165-95F2-8EA1718CCCB3}" dt="2023-01-02T08:31:31.808" v="33" actId="122"/>
+          <ac:graphicFrameMkLst>
+            <pc:docMk/>
+            <pc:sldMk cId="388348998" sldId="273"/>
+            <ac:graphicFrameMk id="342" creationId="{00000000-0000-0000-0000-000000000000}"/>
+          </ac:graphicFrameMkLst>
+        </pc:graphicFrameChg>
+      </pc:sldChg>
+      <pc:sldChg chg="del">
+        <pc:chgData name="Jan" userId="185de13651d64d23" providerId="LiveId" clId="{A0019F92-A00A-4165-95F2-8EA1718CCCB3}" dt="2023-01-02T08:29:43.674" v="0" actId="47"/>
+        <pc:sldMkLst>
+          <pc:docMk/>
+          <pc:sldMk cId="2954417407" sldId="274"/>
+        </pc:sldMkLst>
+      </pc:sldChg>
+      <pc:sldChg chg="add">
+        <pc:chgData name="Jan" userId="185de13651d64d23" providerId="LiveId" clId="{A0019F92-A00A-4165-95F2-8EA1718CCCB3}" dt="2023-01-02T08:30:02.075" v="4"/>
+        <pc:sldMkLst>
+          <pc:docMk/>
+          <pc:sldMk cId="728981984" sldId="275"/>
+        </pc:sldMkLst>
+      </pc:sldChg>
+      <pc:sldChg chg="add">
+        <pc:chgData name="Jan" userId="185de13651d64d23" providerId="LiveId" clId="{A0019F92-A00A-4165-95F2-8EA1718CCCB3}" dt="2023-01-02T08:30:08.611" v="5"/>
+        <pc:sldMkLst>
+          <pc:docMk/>
+          <pc:sldMk cId="1679968908" sldId="276"/>
+        </pc:sldMkLst>
+      </pc:sldChg>
+      <pc:sldChg chg="add ord">
+        <pc:chgData name="Jan" userId="185de13651d64d23" providerId="LiveId" clId="{A0019F92-A00A-4165-95F2-8EA1718CCCB3}" dt="2023-01-02T08:30:26.322" v="8"/>
+        <pc:sldMkLst>
+          <pc:docMk/>
+          <pc:sldMk cId="2967270124" sldId="277"/>
+        </pc:sldMkLst>
       </pc:sldChg>
     </pc:docChg>
   </pc:docChgLst>
@@ -874,6 +980,112 @@
   <p:cSld>
     <p:spTree>
       <p:nvGrpSpPr>
+        <p:cNvPr id="1" name="Shape 232"/>
+        <p:cNvGrpSpPr/>
+        <p:nvPr/>
+      </p:nvGrpSpPr>
+      <p:grpSpPr>
+        <a:xfrm>
+          <a:off x="0" y="0"/>
+          <a:ext cx="0" cy="0"/>
+          <a:chOff x="0" y="0"/>
+          <a:chExt cx="0" cy="0"/>
+        </a:xfrm>
+      </p:grpSpPr>
+      <p:sp>
+        <p:nvSpPr>
+          <p:cNvPr id="233" name="Shape 233"/>
+          <p:cNvSpPr>
+            <a:spLocks noGrp="1" noRot="1" noChangeAspect="1"/>
+          </p:cNvSpPr>
+          <p:nvPr>
+            <p:ph type="sldImg" idx="2"/>
+          </p:nvPr>
+        </p:nvSpPr>
+        <p:spPr>
+          <a:xfrm>
+            <a:off x="381000" y="685800"/>
+            <a:ext cx="6096000" cy="3429000"/>
+          </a:xfrm>
+          <a:custGeom>
+            <a:avLst/>
+            <a:gdLst/>
+            <a:ahLst/>
+            <a:cxnLst/>
+            <a:rect l="0" t="0" r="0" b="0"/>
+            <a:pathLst>
+              <a:path w="120000" h="120000" extrusionOk="0">
+                <a:moveTo>
+                  <a:pt x="0" y="0"/>
+                </a:moveTo>
+                <a:lnTo>
+                  <a:pt x="120000" y="0"/>
+                </a:lnTo>
+                <a:lnTo>
+                  <a:pt x="120000" y="120000"/>
+                </a:lnTo>
+                <a:lnTo>
+                  <a:pt x="0" y="120000"/>
+                </a:lnTo>
+                <a:close/>
+              </a:path>
+            </a:pathLst>
+          </a:custGeom>
+        </p:spPr>
+      </p:sp>
+      <p:sp>
+        <p:nvSpPr>
+          <p:cNvPr id="234" name="Shape 234"/>
+          <p:cNvSpPr txBox="1">
+            <a:spLocks noGrp="1"/>
+          </p:cNvSpPr>
+          <p:nvPr>
+            <p:ph type="body" idx="1"/>
+          </p:nvPr>
+        </p:nvSpPr>
+        <p:spPr>
+          <a:xfrm>
+            <a:off x="685800" y="4343400"/>
+            <a:ext cx="5486400" cy="4114800"/>
+          </a:xfrm>
+          <a:prstGeom prst="rect">
+            <a:avLst/>
+          </a:prstGeom>
+        </p:spPr>
+        <p:txBody>
+          <a:bodyPr wrap="square" lIns="91425" tIns="91425" rIns="91425" bIns="91425" anchor="t" anchorCtr="0">
+            <a:noAutofit/>
+          </a:bodyPr>
+          <a:lstStyle/>
+          <a:p>
+            <a:pPr lvl="0">
+              <a:spcBef>
+                <a:spcPts val="0"/>
+              </a:spcBef>
+              <a:buNone/>
+            </a:pPr>
+            <a:endParaRPr/>
+          </a:p>
+        </p:txBody>
+      </p:sp>
+    </p:spTree>
+    <p:extLst>
+      <p:ext uri="{BB962C8B-B14F-4D97-AF65-F5344CB8AC3E}">
+        <p14:creationId xmlns:p14="http://schemas.microsoft.com/office/powerpoint/2010/main" val="3237256385"/>
+      </p:ext>
+    </p:extLst>
+  </p:cSld>
+  <p:clrMapOvr>
+    <a:masterClrMapping/>
+  </p:clrMapOvr>
+</p:notes>
+</file>
+
+<file path=ppt/notesSlides/notesSlide5.xml><?xml version="1.0" encoding="utf-8"?>
+<p:notes xmlns:a="http://schemas.openxmlformats.org/drawingml/2006/main" xmlns:r="http://schemas.openxmlformats.org/officeDocument/2006/relationships" xmlns:p="http://schemas.openxmlformats.org/presentationml/2006/main" showMasterSp="0" showMasterPhAnim="0">
+  <p:cSld>
+    <p:spTree>
+      <p:nvGrpSpPr>
         <p:cNvPr id="1" name="Shape 337"/>
         <p:cNvGrpSpPr/>
         <p:nvPr/>
@@ -975,7 +1187,219 @@
 </p:notes>
 </file>
 
-<file path=ppt/notesSlides/notesSlide5.xml><?xml version="1.0" encoding="utf-8"?>
+<file path=ppt/notesSlides/notesSlide6.xml><?xml version="1.0" encoding="utf-8"?>
+<p:notes xmlns:a="http://schemas.openxmlformats.org/drawingml/2006/main" xmlns:r="http://schemas.openxmlformats.org/officeDocument/2006/relationships" xmlns:p="http://schemas.openxmlformats.org/presentationml/2006/main" showMasterSp="0" showMasterPhAnim="0">
+  <p:cSld>
+    <p:spTree>
+      <p:nvGrpSpPr>
+        <p:cNvPr id="1" name="Shape 337"/>
+        <p:cNvGrpSpPr/>
+        <p:nvPr/>
+      </p:nvGrpSpPr>
+      <p:grpSpPr>
+        <a:xfrm>
+          <a:off x="0" y="0"/>
+          <a:ext cx="0" cy="0"/>
+          <a:chOff x="0" y="0"/>
+          <a:chExt cx="0" cy="0"/>
+        </a:xfrm>
+      </p:grpSpPr>
+      <p:sp>
+        <p:nvSpPr>
+          <p:cNvPr id="338" name="Shape 338"/>
+          <p:cNvSpPr>
+            <a:spLocks noGrp="1" noRot="1" noChangeAspect="1"/>
+          </p:cNvSpPr>
+          <p:nvPr>
+            <p:ph type="sldImg" idx="2"/>
+          </p:nvPr>
+        </p:nvSpPr>
+        <p:spPr>
+          <a:xfrm>
+            <a:off x="381000" y="685800"/>
+            <a:ext cx="6096000" cy="3429000"/>
+          </a:xfrm>
+          <a:custGeom>
+            <a:avLst/>
+            <a:gdLst/>
+            <a:ahLst/>
+            <a:cxnLst/>
+            <a:rect l="0" t="0" r="0" b="0"/>
+            <a:pathLst>
+              <a:path w="120000" h="120000" extrusionOk="0">
+                <a:moveTo>
+                  <a:pt x="0" y="0"/>
+                </a:moveTo>
+                <a:lnTo>
+                  <a:pt x="120000" y="0"/>
+                </a:lnTo>
+                <a:lnTo>
+                  <a:pt x="120000" y="120000"/>
+                </a:lnTo>
+                <a:lnTo>
+                  <a:pt x="0" y="120000"/>
+                </a:lnTo>
+                <a:close/>
+              </a:path>
+            </a:pathLst>
+          </a:custGeom>
+        </p:spPr>
+      </p:sp>
+      <p:sp>
+        <p:nvSpPr>
+          <p:cNvPr id="339" name="Shape 339"/>
+          <p:cNvSpPr txBox="1">
+            <a:spLocks noGrp="1"/>
+          </p:cNvSpPr>
+          <p:nvPr>
+            <p:ph type="body" idx="1"/>
+          </p:nvPr>
+        </p:nvSpPr>
+        <p:spPr>
+          <a:xfrm>
+            <a:off x="685800" y="4343400"/>
+            <a:ext cx="5486400" cy="4114800"/>
+          </a:xfrm>
+          <a:prstGeom prst="rect">
+            <a:avLst/>
+          </a:prstGeom>
+        </p:spPr>
+        <p:txBody>
+          <a:bodyPr wrap="square" lIns="91425" tIns="91425" rIns="91425" bIns="91425" anchor="t" anchorCtr="0">
+            <a:noAutofit/>
+          </a:bodyPr>
+          <a:lstStyle/>
+          <a:p>
+            <a:pPr lvl="0">
+              <a:spcBef>
+                <a:spcPts val="0"/>
+              </a:spcBef>
+              <a:buNone/>
+            </a:pPr>
+            <a:endParaRPr/>
+          </a:p>
+        </p:txBody>
+      </p:sp>
+    </p:spTree>
+    <p:extLst>
+      <p:ext uri="{BB962C8B-B14F-4D97-AF65-F5344CB8AC3E}">
+        <p14:creationId xmlns:p14="http://schemas.microsoft.com/office/powerpoint/2010/main" val="3411614332"/>
+      </p:ext>
+    </p:extLst>
+  </p:cSld>
+  <p:clrMapOvr>
+    <a:masterClrMapping/>
+  </p:clrMapOvr>
+</p:notes>
+</file>
+
+<file path=ppt/notesSlides/notesSlide7.xml><?xml version="1.0" encoding="utf-8"?>
+<p:notes xmlns:a="http://schemas.openxmlformats.org/drawingml/2006/main" xmlns:r="http://schemas.openxmlformats.org/officeDocument/2006/relationships" xmlns:p="http://schemas.openxmlformats.org/presentationml/2006/main" showMasterSp="0" showMasterPhAnim="0">
+  <p:cSld>
+    <p:spTree>
+      <p:nvGrpSpPr>
+        <p:cNvPr id="1" name="Shape 263"/>
+        <p:cNvGrpSpPr/>
+        <p:nvPr/>
+      </p:nvGrpSpPr>
+      <p:grpSpPr>
+        <a:xfrm>
+          <a:off x="0" y="0"/>
+          <a:ext cx="0" cy="0"/>
+          <a:chOff x="0" y="0"/>
+          <a:chExt cx="0" cy="0"/>
+        </a:xfrm>
+      </p:grpSpPr>
+      <p:sp>
+        <p:nvSpPr>
+          <p:cNvPr id="264" name="Shape 264"/>
+          <p:cNvSpPr>
+            <a:spLocks noGrp="1" noRot="1" noChangeAspect="1"/>
+          </p:cNvSpPr>
+          <p:nvPr>
+            <p:ph type="sldImg" idx="2"/>
+          </p:nvPr>
+        </p:nvSpPr>
+        <p:spPr>
+          <a:xfrm>
+            <a:off x="381000" y="685800"/>
+            <a:ext cx="6096000" cy="3429000"/>
+          </a:xfrm>
+          <a:custGeom>
+            <a:avLst/>
+            <a:gdLst/>
+            <a:ahLst/>
+            <a:cxnLst/>
+            <a:rect l="0" t="0" r="0" b="0"/>
+            <a:pathLst>
+              <a:path w="120000" h="120000" extrusionOk="0">
+                <a:moveTo>
+                  <a:pt x="0" y="0"/>
+                </a:moveTo>
+                <a:lnTo>
+                  <a:pt x="120000" y="0"/>
+                </a:lnTo>
+                <a:lnTo>
+                  <a:pt x="120000" y="120000"/>
+                </a:lnTo>
+                <a:lnTo>
+                  <a:pt x="0" y="120000"/>
+                </a:lnTo>
+                <a:close/>
+              </a:path>
+            </a:pathLst>
+          </a:custGeom>
+        </p:spPr>
+      </p:sp>
+      <p:sp>
+        <p:nvSpPr>
+          <p:cNvPr id="265" name="Shape 265"/>
+          <p:cNvSpPr txBox="1">
+            <a:spLocks noGrp="1"/>
+          </p:cNvSpPr>
+          <p:nvPr>
+            <p:ph type="body" idx="1"/>
+          </p:nvPr>
+        </p:nvSpPr>
+        <p:spPr>
+          <a:xfrm>
+            <a:off x="685800" y="4343400"/>
+            <a:ext cx="5486400" cy="4114800"/>
+          </a:xfrm>
+          <a:prstGeom prst="rect">
+            <a:avLst/>
+          </a:prstGeom>
+        </p:spPr>
+        <p:txBody>
+          <a:bodyPr wrap="square" lIns="91425" tIns="91425" rIns="91425" bIns="91425" anchor="t" anchorCtr="0">
+            <a:noAutofit/>
+          </a:bodyPr>
+          <a:lstStyle/>
+          <a:p>
+            <a:pPr lvl="0">
+              <a:spcBef>
+                <a:spcPts val="0"/>
+              </a:spcBef>
+              <a:buNone/>
+            </a:pPr>
+            <a:endParaRPr/>
+          </a:p>
+        </p:txBody>
+      </p:sp>
+    </p:spTree>
+    <p:extLst>
+      <p:ext uri="{BB962C8B-B14F-4D97-AF65-F5344CB8AC3E}">
+        <p14:creationId xmlns:p14="http://schemas.microsoft.com/office/powerpoint/2010/main" val="160995662"/>
+      </p:ext>
+    </p:extLst>
+  </p:cSld>
+  <p:clrMapOvr>
+    <a:masterClrMapping/>
+  </p:clrMapOvr>
+</p:notes>
+</file>
+
+<file path=ppt/notesSlides/notesSlide8.xml><?xml version="1.0" encoding="utf-8"?>
 <p:notes xmlns:a="http://schemas.openxmlformats.org/drawingml/2006/main" xmlns:r="http://schemas.openxmlformats.org/officeDocument/2006/relationships" xmlns:p="http://schemas.openxmlformats.org/presentationml/2006/main" showMasterSp="0" showMasterPhAnim="0">
   <p:cSld>
     <p:spTree>
@@ -1071,7 +1495,7 @@
     </p:spTree>
     <p:extLst>
       <p:ext uri="{BB962C8B-B14F-4D97-AF65-F5344CB8AC3E}">
-        <p14:creationId xmlns:p14="http://schemas.microsoft.com/office/powerpoint/2010/main" val="3237256385"/>
+        <p14:creationId xmlns:p14="http://schemas.microsoft.com/office/powerpoint/2010/main" val="4068685481"/>
       </p:ext>
     </p:extLst>
   </p:cSld>
@@ -1081,7 +1505,7 @@
 </p:notes>
 </file>
 
-<file path=ppt/notesSlides/notesSlide6.xml><?xml version="1.0" encoding="utf-8"?>
+<file path=ppt/notesSlides/notesSlide9.xml><?xml version="1.0" encoding="utf-8"?>
 <p:notes xmlns:a="http://schemas.openxmlformats.org/drawingml/2006/main" xmlns:r="http://schemas.openxmlformats.org/officeDocument/2006/relationships" xmlns:p="http://schemas.openxmlformats.org/presentationml/2006/main" showMasterSp="0" showMasterPhAnim="0">
   <p:cSld>
     <p:spTree>
@@ -1177,7 +1601,7 @@
     </p:spTree>
     <p:extLst>
       <p:ext uri="{BB962C8B-B14F-4D97-AF65-F5344CB8AC3E}">
-        <p14:creationId xmlns:p14="http://schemas.microsoft.com/office/powerpoint/2010/main" val="968885435"/>
+        <p14:creationId xmlns:p14="http://schemas.microsoft.com/office/powerpoint/2010/main" val="2505187167"/>
       </p:ext>
     </p:extLst>
   </p:cSld>
@@ -3331,6 +3755,828 @@
 </p:sldLayout>
 </file>
 
+<file path=ppt/slideLayouts/slideLayout4.xml><?xml version="1.0" encoding="utf-8"?>
+<p:sldLayout xmlns:a="http://schemas.openxmlformats.org/drawingml/2006/main" xmlns:r="http://schemas.openxmlformats.org/officeDocument/2006/relationships" xmlns:p="http://schemas.openxmlformats.org/presentationml/2006/main" type="twoColTx">
+  <p:cSld name="Title + 2 columns">
+    <p:spTree>
+      <p:nvGrpSpPr>
+        <p:cNvPr id="1" name="Shape 81"/>
+        <p:cNvGrpSpPr/>
+        <p:nvPr/>
+      </p:nvGrpSpPr>
+      <p:grpSpPr>
+        <a:xfrm>
+          <a:off x="0" y="0"/>
+          <a:ext cx="0" cy="0"/>
+          <a:chOff x="0" y="0"/>
+          <a:chExt cx="0" cy="0"/>
+        </a:xfrm>
+      </p:grpSpPr>
+      <p:grpSp>
+        <p:nvGrpSpPr>
+          <p:cNvPr id="82" name="Shape 82"/>
+          <p:cNvGrpSpPr/>
+          <p:nvPr/>
+        </p:nvGrpSpPr>
+        <p:grpSpPr>
+          <a:xfrm>
+            <a:off x="-4" y="40"/>
+            <a:ext cx="7072430" cy="1327315"/>
+            <a:chOff x="-4" y="40"/>
+            <a:chExt cx="7072430" cy="1327315"/>
+          </a:xfrm>
+        </p:grpSpPr>
+        <p:sp>
+          <p:nvSpPr>
+            <p:cNvPr id="83" name="Shape 83"/>
+            <p:cNvSpPr/>
+            <p:nvPr/>
+          </p:nvSpPr>
+          <p:spPr>
+            <a:xfrm>
+              <a:off x="6292649" y="126425"/>
+              <a:ext cx="779700" cy="259800"/>
+            </a:xfrm>
+            <a:prstGeom prst="triangle">
+              <a:avLst>
+                <a:gd name="adj" fmla="val 32425"/>
+              </a:avLst>
+            </a:prstGeom>
+            <a:solidFill>
+              <a:srgbClr val="263248"/>
+            </a:solidFill>
+            <a:ln>
+              <a:noFill/>
+            </a:ln>
+          </p:spPr>
+          <p:txBody>
+            <a:bodyPr wrap="square" lIns="91425" tIns="91425" rIns="91425" bIns="91425" anchor="ctr" anchorCtr="0">
+              <a:noAutofit/>
+            </a:bodyPr>
+            <a:lstStyle/>
+            <a:p>
+              <a:pPr lvl="0" rtl="0">
+                <a:spcBef>
+                  <a:spcPts val="0"/>
+                </a:spcBef>
+                <a:buNone/>
+              </a:pPr>
+              <a:endParaRPr>
+                <a:latin typeface="Arvo"/>
+                <a:ea typeface="Arvo"/>
+                <a:cs typeface="Arvo"/>
+                <a:sym typeface="Arvo"/>
+              </a:endParaRPr>
+            </a:p>
+          </p:txBody>
+        </p:sp>
+        <p:grpSp>
+          <p:nvGrpSpPr>
+            <p:cNvPr id="84" name="Shape 84"/>
+            <p:cNvGrpSpPr/>
+            <p:nvPr/>
+          </p:nvGrpSpPr>
+          <p:grpSpPr>
+            <a:xfrm rot="10800000" flipH="1">
+              <a:off x="3" y="40"/>
+              <a:ext cx="6756168" cy="1327315"/>
+              <a:chOff x="-2168138" y="330075"/>
+              <a:chExt cx="8650663" cy="1699506"/>
+            </a:xfrm>
+          </p:grpSpPr>
+          <p:sp>
+            <p:nvSpPr>
+              <p:cNvPr id="85" name="Shape 85"/>
+              <p:cNvSpPr/>
+              <p:nvPr/>
+            </p:nvSpPr>
+            <p:spPr>
+              <a:xfrm>
+                <a:off x="-2168138" y="330081"/>
+                <a:ext cx="6958200" cy="1699500"/>
+              </a:xfrm>
+              <a:prstGeom prst="rect">
+                <a:avLst/>
+              </a:prstGeom>
+              <a:solidFill>
+                <a:srgbClr val="C7D3E6"/>
+              </a:solidFill>
+              <a:ln>
+                <a:noFill/>
+              </a:ln>
+            </p:spPr>
+            <p:txBody>
+              <a:bodyPr wrap="square" lIns="91425" tIns="91425" rIns="91425" bIns="91425" anchor="ctr" anchorCtr="0">
+                <a:noAutofit/>
+              </a:bodyPr>
+              <a:lstStyle/>
+              <a:p>
+                <a:pPr lvl="0" rtl="0">
+                  <a:spcBef>
+                    <a:spcPts val="0"/>
+                  </a:spcBef>
+                  <a:buNone/>
+                </a:pPr>
+                <a:endParaRPr>
+                  <a:latin typeface="Arvo"/>
+                  <a:ea typeface="Arvo"/>
+                  <a:cs typeface="Arvo"/>
+                  <a:sym typeface="Arvo"/>
+                </a:endParaRPr>
+              </a:p>
+            </p:txBody>
+          </p:sp>
+          <p:sp>
+            <p:nvSpPr>
+              <p:cNvPr id="86" name="Shape 86"/>
+              <p:cNvSpPr/>
+              <p:nvPr/>
+            </p:nvSpPr>
+            <p:spPr>
+              <a:xfrm>
+                <a:off x="4783025" y="330075"/>
+                <a:ext cx="1699500" cy="1699500"/>
+              </a:xfrm>
+              <a:prstGeom prst="rtTriangle">
+                <a:avLst/>
+              </a:prstGeom>
+              <a:solidFill>
+                <a:srgbClr val="C7D3E6"/>
+              </a:solidFill>
+              <a:ln>
+                <a:noFill/>
+              </a:ln>
+            </p:spPr>
+            <p:txBody>
+              <a:bodyPr wrap="square" lIns="91425" tIns="91425" rIns="91425" bIns="91425" anchor="ctr" anchorCtr="0">
+                <a:noAutofit/>
+              </a:bodyPr>
+              <a:lstStyle/>
+              <a:p>
+                <a:pPr lvl="0" rtl="0">
+                  <a:spcBef>
+                    <a:spcPts val="0"/>
+                  </a:spcBef>
+                  <a:buNone/>
+                </a:pPr>
+                <a:endParaRPr>
+                  <a:latin typeface="Arvo"/>
+                  <a:ea typeface="Arvo"/>
+                  <a:cs typeface="Arvo"/>
+                  <a:sym typeface="Arvo"/>
+                </a:endParaRPr>
+              </a:p>
+            </p:txBody>
+          </p:sp>
+        </p:grpSp>
+        <p:grpSp>
+          <p:nvGrpSpPr>
+            <p:cNvPr id="87" name="Shape 87"/>
+            <p:cNvGrpSpPr/>
+            <p:nvPr/>
+          </p:nvGrpSpPr>
+          <p:grpSpPr>
+            <a:xfrm rot="10800000" flipH="1">
+              <a:off x="-4" y="381007"/>
+              <a:ext cx="7072430" cy="771744"/>
+              <a:chOff x="-9092084" y="330075"/>
+              <a:chExt cx="15574609" cy="1699501"/>
+            </a:xfrm>
+          </p:grpSpPr>
+          <p:sp>
+            <p:nvSpPr>
+              <p:cNvPr id="88" name="Shape 88"/>
+              <p:cNvSpPr/>
+              <p:nvPr/>
+            </p:nvSpPr>
+            <p:spPr>
+              <a:xfrm>
+                <a:off x="-9092084" y="330076"/>
+                <a:ext cx="13882200" cy="1699500"/>
+              </a:xfrm>
+              <a:prstGeom prst="rect">
+                <a:avLst/>
+              </a:prstGeom>
+              <a:solidFill>
+                <a:srgbClr val="3F5378"/>
+              </a:solidFill>
+              <a:ln>
+                <a:noFill/>
+              </a:ln>
+            </p:spPr>
+            <p:txBody>
+              <a:bodyPr wrap="square" lIns="91425" tIns="91425" rIns="91425" bIns="91425" anchor="ctr" anchorCtr="0">
+                <a:noAutofit/>
+              </a:bodyPr>
+              <a:lstStyle/>
+              <a:p>
+                <a:pPr lvl="0" rtl="0">
+                  <a:spcBef>
+                    <a:spcPts val="0"/>
+                  </a:spcBef>
+                  <a:buNone/>
+                </a:pPr>
+                <a:endParaRPr>
+                  <a:latin typeface="Arvo"/>
+                  <a:ea typeface="Arvo"/>
+                  <a:cs typeface="Arvo"/>
+                  <a:sym typeface="Arvo"/>
+                </a:endParaRPr>
+              </a:p>
+            </p:txBody>
+          </p:sp>
+          <p:sp>
+            <p:nvSpPr>
+              <p:cNvPr id="89" name="Shape 89"/>
+              <p:cNvSpPr/>
+              <p:nvPr/>
+            </p:nvSpPr>
+            <p:spPr>
+              <a:xfrm>
+                <a:off x="4783025" y="330075"/>
+                <a:ext cx="1699500" cy="1699500"/>
+              </a:xfrm>
+              <a:prstGeom prst="rtTriangle">
+                <a:avLst/>
+              </a:prstGeom>
+              <a:solidFill>
+                <a:srgbClr val="3F5378"/>
+              </a:solidFill>
+              <a:ln>
+                <a:noFill/>
+              </a:ln>
+            </p:spPr>
+            <p:txBody>
+              <a:bodyPr wrap="square" lIns="91425" tIns="91425" rIns="91425" bIns="91425" anchor="ctr" anchorCtr="0">
+                <a:noAutofit/>
+              </a:bodyPr>
+              <a:lstStyle/>
+              <a:p>
+                <a:pPr lvl="0" rtl="0">
+                  <a:spcBef>
+                    <a:spcPts val="0"/>
+                  </a:spcBef>
+                  <a:buNone/>
+                </a:pPr>
+                <a:endParaRPr>
+                  <a:latin typeface="Arvo"/>
+                  <a:ea typeface="Arvo"/>
+                  <a:cs typeface="Arvo"/>
+                  <a:sym typeface="Arvo"/>
+                </a:endParaRPr>
+              </a:p>
+            </p:txBody>
+          </p:sp>
+        </p:grpSp>
+      </p:grpSp>
+      <p:grpSp>
+        <p:nvGrpSpPr>
+          <p:cNvPr id="90" name="Shape 90"/>
+          <p:cNvGrpSpPr/>
+          <p:nvPr/>
+        </p:nvGrpSpPr>
+        <p:grpSpPr>
+          <a:xfrm>
+            <a:off x="6946842" y="4472723"/>
+            <a:ext cx="2202830" cy="670795"/>
+            <a:chOff x="5575242" y="4472723"/>
+            <a:chExt cx="2202830" cy="670795"/>
+          </a:xfrm>
+        </p:grpSpPr>
+        <p:sp>
+          <p:nvSpPr>
+            <p:cNvPr id="91" name="Shape 91"/>
+            <p:cNvSpPr/>
+            <p:nvPr/>
+          </p:nvSpPr>
+          <p:spPr>
+            <a:xfrm rot="10800000">
+              <a:off x="5575242" y="4948334"/>
+              <a:ext cx="394200" cy="131400"/>
+            </a:xfrm>
+            <a:prstGeom prst="triangle">
+              <a:avLst>
+                <a:gd name="adj" fmla="val 32425"/>
+              </a:avLst>
+            </a:prstGeom>
+            <a:solidFill>
+              <a:srgbClr val="D26F00"/>
+            </a:solidFill>
+            <a:ln>
+              <a:noFill/>
+            </a:ln>
+          </p:spPr>
+          <p:txBody>
+            <a:bodyPr wrap="square" lIns="91425" tIns="91425" rIns="91425" bIns="91425" anchor="ctr" anchorCtr="0">
+              <a:noAutofit/>
+            </a:bodyPr>
+            <a:lstStyle/>
+            <a:p>
+              <a:pPr lvl="0">
+                <a:spcBef>
+                  <a:spcPts val="0"/>
+                </a:spcBef>
+                <a:buNone/>
+              </a:pPr>
+              <a:endParaRPr/>
+            </a:p>
+          </p:txBody>
+        </p:sp>
+        <p:grpSp>
+          <p:nvGrpSpPr>
+            <p:cNvPr id="92" name="Shape 92"/>
+            <p:cNvGrpSpPr/>
+            <p:nvPr/>
+          </p:nvGrpSpPr>
+          <p:grpSpPr>
+            <a:xfrm flipH="1">
+              <a:off x="5734850" y="4472723"/>
+              <a:ext cx="2040837" cy="670795"/>
+              <a:chOff x="1297954" y="330075"/>
+              <a:chExt cx="5169293" cy="1699506"/>
+            </a:xfrm>
+          </p:grpSpPr>
+          <p:sp>
+            <p:nvSpPr>
+              <p:cNvPr id="93" name="Shape 93"/>
+              <p:cNvSpPr/>
+              <p:nvPr/>
+            </p:nvSpPr>
+            <p:spPr>
+              <a:xfrm>
+                <a:off x="1297954" y="330081"/>
+                <a:ext cx="3476700" cy="1699500"/>
+              </a:xfrm>
+              <a:prstGeom prst="rect">
+                <a:avLst/>
+              </a:prstGeom>
+              <a:solidFill>
+                <a:srgbClr val="C7D3E6"/>
+              </a:solidFill>
+              <a:ln>
+                <a:noFill/>
+              </a:ln>
+            </p:spPr>
+            <p:txBody>
+              <a:bodyPr wrap="square" lIns="91425" tIns="91425" rIns="91425" bIns="91425" anchor="ctr" anchorCtr="0">
+                <a:noAutofit/>
+              </a:bodyPr>
+              <a:lstStyle/>
+              <a:p>
+                <a:pPr lvl="0" rtl="0">
+                  <a:spcBef>
+                    <a:spcPts val="0"/>
+                  </a:spcBef>
+                  <a:buNone/>
+                </a:pPr>
+                <a:endParaRPr/>
+              </a:p>
+            </p:txBody>
+          </p:sp>
+          <p:sp>
+            <p:nvSpPr>
+              <p:cNvPr id="94" name="Shape 94"/>
+              <p:cNvSpPr/>
+              <p:nvPr/>
+            </p:nvSpPr>
+            <p:spPr>
+              <a:xfrm>
+                <a:off x="4767747" y="330075"/>
+                <a:ext cx="1699500" cy="1699500"/>
+              </a:xfrm>
+              <a:prstGeom prst="rtTriangle">
+                <a:avLst/>
+              </a:prstGeom>
+              <a:solidFill>
+                <a:srgbClr val="C7D3E6"/>
+              </a:solidFill>
+              <a:ln>
+                <a:noFill/>
+              </a:ln>
+            </p:spPr>
+            <p:txBody>
+              <a:bodyPr wrap="square" lIns="91425" tIns="91425" rIns="91425" bIns="91425" anchor="ctr" anchorCtr="0">
+                <a:noAutofit/>
+              </a:bodyPr>
+              <a:lstStyle/>
+              <a:p>
+                <a:pPr lvl="0">
+                  <a:spcBef>
+                    <a:spcPts val="0"/>
+                  </a:spcBef>
+                  <a:buNone/>
+                </a:pPr>
+                <a:endParaRPr/>
+              </a:p>
+            </p:txBody>
+          </p:sp>
+        </p:grpSp>
+        <p:grpSp>
+          <p:nvGrpSpPr>
+            <p:cNvPr id="95" name="Shape 95"/>
+            <p:cNvGrpSpPr/>
+            <p:nvPr/>
+          </p:nvGrpSpPr>
+          <p:grpSpPr>
+            <a:xfrm flipH="1">
+              <a:off x="5578209" y="4646738"/>
+              <a:ext cx="2199863" cy="304563"/>
+              <a:chOff x="-5827153" y="330075"/>
+              <a:chExt cx="12276019" cy="1699569"/>
+            </a:xfrm>
+          </p:grpSpPr>
+          <p:sp>
+            <p:nvSpPr>
+              <p:cNvPr id="96" name="Shape 96"/>
+              <p:cNvSpPr/>
+              <p:nvPr/>
+            </p:nvSpPr>
+            <p:spPr>
+              <a:xfrm>
+                <a:off x="-5827153" y="330144"/>
+                <a:ext cx="10612200" cy="1699500"/>
+              </a:xfrm>
+              <a:prstGeom prst="rect">
+                <a:avLst/>
+              </a:prstGeom>
+              <a:solidFill>
+                <a:srgbClr val="FF9800"/>
+              </a:solidFill>
+              <a:ln>
+                <a:noFill/>
+              </a:ln>
+            </p:spPr>
+            <p:txBody>
+              <a:bodyPr wrap="square" lIns="91425" tIns="91425" rIns="91425" bIns="91425" anchor="ctr" anchorCtr="0">
+                <a:noAutofit/>
+              </a:bodyPr>
+              <a:lstStyle/>
+              <a:p>
+                <a:pPr lvl="0" rtl="0">
+                  <a:spcBef>
+                    <a:spcPts val="0"/>
+                  </a:spcBef>
+                  <a:buNone/>
+                </a:pPr>
+                <a:endParaRPr/>
+              </a:p>
+            </p:txBody>
+          </p:sp>
+          <p:sp>
+            <p:nvSpPr>
+              <p:cNvPr id="97" name="Shape 97"/>
+              <p:cNvSpPr/>
+              <p:nvPr/>
+            </p:nvSpPr>
+            <p:spPr>
+              <a:xfrm>
+                <a:off x="4749366" y="330075"/>
+                <a:ext cx="1699500" cy="1699500"/>
+              </a:xfrm>
+              <a:prstGeom prst="rtTriangle">
+                <a:avLst/>
+              </a:prstGeom>
+              <a:solidFill>
+                <a:srgbClr val="FF9800"/>
+              </a:solidFill>
+              <a:ln>
+                <a:noFill/>
+              </a:ln>
+            </p:spPr>
+            <p:txBody>
+              <a:bodyPr wrap="square" lIns="91425" tIns="91425" rIns="91425" bIns="91425" anchor="ctr" anchorCtr="0">
+                <a:noAutofit/>
+              </a:bodyPr>
+              <a:lstStyle/>
+              <a:p>
+                <a:pPr lvl="0">
+                  <a:spcBef>
+                    <a:spcPts val="0"/>
+                  </a:spcBef>
+                  <a:buNone/>
+                </a:pPr>
+                <a:endParaRPr/>
+              </a:p>
+            </p:txBody>
+          </p:sp>
+        </p:grpSp>
+      </p:grpSp>
+      <p:sp>
+        <p:nvSpPr>
+          <p:cNvPr id="98" name="Shape 98"/>
+          <p:cNvSpPr txBox="1">
+            <a:spLocks noGrp="1"/>
+          </p:cNvSpPr>
+          <p:nvPr>
+            <p:ph type="title"/>
+          </p:nvPr>
+        </p:nvSpPr>
+        <p:spPr>
+          <a:xfrm>
+            <a:off x="814275" y="392575"/>
+            <a:ext cx="5258400" cy="766200"/>
+          </a:xfrm>
+          <a:prstGeom prst="rect">
+            <a:avLst/>
+          </a:prstGeom>
+        </p:spPr>
+        <p:txBody>
+          <a:bodyPr wrap="square" lIns="91425" tIns="91425" rIns="91425" bIns="91425" anchor="ctr" anchorCtr="0"/>
+          <a:lstStyle>
+            <a:lvl1pPr lvl="0">
+              <a:spcBef>
+                <a:spcPts val="0"/>
+              </a:spcBef>
+              <a:defRPr/>
+            </a:lvl1pPr>
+            <a:lvl2pPr lvl="1">
+              <a:spcBef>
+                <a:spcPts val="0"/>
+              </a:spcBef>
+              <a:defRPr/>
+            </a:lvl2pPr>
+            <a:lvl3pPr lvl="2">
+              <a:spcBef>
+                <a:spcPts val="0"/>
+              </a:spcBef>
+              <a:defRPr/>
+            </a:lvl3pPr>
+            <a:lvl4pPr lvl="3">
+              <a:spcBef>
+                <a:spcPts val="0"/>
+              </a:spcBef>
+              <a:defRPr/>
+            </a:lvl4pPr>
+            <a:lvl5pPr lvl="4">
+              <a:spcBef>
+                <a:spcPts val="0"/>
+              </a:spcBef>
+              <a:defRPr/>
+            </a:lvl5pPr>
+            <a:lvl6pPr lvl="5">
+              <a:spcBef>
+                <a:spcPts val="0"/>
+              </a:spcBef>
+              <a:defRPr/>
+            </a:lvl6pPr>
+            <a:lvl7pPr lvl="6">
+              <a:spcBef>
+                <a:spcPts val="0"/>
+              </a:spcBef>
+              <a:defRPr/>
+            </a:lvl7pPr>
+            <a:lvl8pPr lvl="7">
+              <a:spcBef>
+                <a:spcPts val="0"/>
+              </a:spcBef>
+              <a:defRPr/>
+            </a:lvl8pPr>
+            <a:lvl9pPr lvl="8">
+              <a:spcBef>
+                <a:spcPts val="0"/>
+              </a:spcBef>
+              <a:defRPr/>
+            </a:lvl9pPr>
+          </a:lstStyle>
+          <a:p>
+            <a:endParaRPr/>
+          </a:p>
+        </p:txBody>
+      </p:sp>
+      <p:sp>
+        <p:nvSpPr>
+          <p:cNvPr id="99" name="Shape 99"/>
+          <p:cNvSpPr txBox="1">
+            <a:spLocks noGrp="1"/>
+          </p:cNvSpPr>
+          <p:nvPr>
+            <p:ph type="body" idx="1"/>
+          </p:nvPr>
+        </p:nvSpPr>
+        <p:spPr>
+          <a:xfrm>
+            <a:off x="814275" y="1537988"/>
+            <a:ext cx="3378300" cy="2724300"/>
+          </a:xfrm>
+          <a:prstGeom prst="rect">
+            <a:avLst/>
+          </a:prstGeom>
+        </p:spPr>
+        <p:txBody>
+          <a:bodyPr wrap="square" lIns="91425" tIns="91425" rIns="91425" bIns="91425" anchor="t" anchorCtr="0"/>
+          <a:lstStyle>
+            <a:lvl1pPr lvl="0">
+              <a:spcBef>
+                <a:spcPts val="0"/>
+              </a:spcBef>
+              <a:buSzPct val="100000"/>
+              <a:defRPr sz="2000"/>
+            </a:lvl1pPr>
+            <a:lvl2pPr lvl="1">
+              <a:spcBef>
+                <a:spcPts val="0"/>
+              </a:spcBef>
+              <a:buSzPct val="100000"/>
+              <a:defRPr sz="2000"/>
+            </a:lvl2pPr>
+            <a:lvl3pPr lvl="2">
+              <a:spcBef>
+                <a:spcPts val="0"/>
+              </a:spcBef>
+              <a:buSzPct val="100000"/>
+              <a:defRPr sz="2000"/>
+            </a:lvl3pPr>
+            <a:lvl4pPr lvl="3">
+              <a:spcBef>
+                <a:spcPts val="0"/>
+              </a:spcBef>
+              <a:buSzPct val="100000"/>
+              <a:defRPr sz="2000"/>
+            </a:lvl4pPr>
+            <a:lvl5pPr lvl="4">
+              <a:spcBef>
+                <a:spcPts val="0"/>
+              </a:spcBef>
+              <a:buSzPct val="100000"/>
+              <a:defRPr sz="2000"/>
+            </a:lvl5pPr>
+            <a:lvl6pPr lvl="5">
+              <a:spcBef>
+                <a:spcPts val="0"/>
+              </a:spcBef>
+              <a:buSzPct val="100000"/>
+              <a:defRPr sz="2000"/>
+            </a:lvl6pPr>
+            <a:lvl7pPr lvl="6">
+              <a:spcBef>
+                <a:spcPts val="0"/>
+              </a:spcBef>
+              <a:buSzPct val="100000"/>
+              <a:defRPr sz="2000"/>
+            </a:lvl7pPr>
+            <a:lvl8pPr lvl="7">
+              <a:spcBef>
+                <a:spcPts val="0"/>
+              </a:spcBef>
+              <a:buSzPct val="100000"/>
+              <a:defRPr sz="2000"/>
+            </a:lvl8pPr>
+            <a:lvl9pPr lvl="8">
+              <a:spcBef>
+                <a:spcPts val="0"/>
+              </a:spcBef>
+              <a:buSzPct val="100000"/>
+              <a:defRPr sz="2000"/>
+            </a:lvl9pPr>
+          </a:lstStyle>
+          <a:p>
+            <a:endParaRPr/>
+          </a:p>
+        </p:txBody>
+      </p:sp>
+      <p:sp>
+        <p:nvSpPr>
+          <p:cNvPr id="100" name="Shape 100"/>
+          <p:cNvSpPr txBox="1">
+            <a:spLocks noGrp="1"/>
+          </p:cNvSpPr>
+          <p:nvPr>
+            <p:ph type="body" idx="2"/>
+          </p:nvPr>
+        </p:nvSpPr>
+        <p:spPr>
+          <a:xfrm>
+            <a:off x="4396123" y="1537988"/>
+            <a:ext cx="3378300" cy="2724300"/>
+          </a:xfrm>
+          <a:prstGeom prst="rect">
+            <a:avLst/>
+          </a:prstGeom>
+        </p:spPr>
+        <p:txBody>
+          <a:bodyPr wrap="square" lIns="91425" tIns="91425" rIns="91425" bIns="91425" anchor="t" anchorCtr="0"/>
+          <a:lstStyle>
+            <a:lvl1pPr lvl="0">
+              <a:spcBef>
+                <a:spcPts val="0"/>
+              </a:spcBef>
+              <a:buSzPct val="100000"/>
+              <a:defRPr sz="2000"/>
+            </a:lvl1pPr>
+            <a:lvl2pPr lvl="1">
+              <a:spcBef>
+                <a:spcPts val="0"/>
+              </a:spcBef>
+              <a:buSzPct val="100000"/>
+              <a:defRPr sz="2000"/>
+            </a:lvl2pPr>
+            <a:lvl3pPr lvl="2">
+              <a:spcBef>
+                <a:spcPts val="0"/>
+              </a:spcBef>
+              <a:buSzPct val="100000"/>
+              <a:defRPr sz="2000"/>
+            </a:lvl3pPr>
+            <a:lvl4pPr lvl="3">
+              <a:spcBef>
+                <a:spcPts val="0"/>
+              </a:spcBef>
+              <a:buSzPct val="100000"/>
+              <a:defRPr sz="2000"/>
+            </a:lvl4pPr>
+            <a:lvl5pPr lvl="4">
+              <a:spcBef>
+                <a:spcPts val="0"/>
+              </a:spcBef>
+              <a:buSzPct val="100000"/>
+              <a:defRPr sz="2000"/>
+            </a:lvl5pPr>
+            <a:lvl6pPr lvl="5">
+              <a:spcBef>
+                <a:spcPts val="0"/>
+              </a:spcBef>
+              <a:buSzPct val="100000"/>
+              <a:defRPr sz="2000"/>
+            </a:lvl6pPr>
+            <a:lvl7pPr lvl="6">
+              <a:spcBef>
+                <a:spcPts val="0"/>
+              </a:spcBef>
+              <a:buSzPct val="100000"/>
+              <a:defRPr sz="2000"/>
+            </a:lvl7pPr>
+            <a:lvl8pPr lvl="7">
+              <a:spcBef>
+                <a:spcPts val="0"/>
+              </a:spcBef>
+              <a:buSzPct val="100000"/>
+              <a:defRPr sz="2000"/>
+            </a:lvl8pPr>
+            <a:lvl9pPr lvl="8">
+              <a:spcBef>
+                <a:spcPts val="0"/>
+              </a:spcBef>
+              <a:buSzPct val="100000"/>
+              <a:defRPr sz="2000"/>
+            </a:lvl9pPr>
+          </a:lstStyle>
+          <a:p>
+            <a:endParaRPr/>
+          </a:p>
+        </p:txBody>
+      </p:sp>
+      <p:sp>
+        <p:nvSpPr>
+          <p:cNvPr id="101" name="Shape 101"/>
+          <p:cNvSpPr txBox="1">
+            <a:spLocks noGrp="1"/>
+          </p:cNvSpPr>
+          <p:nvPr>
+            <p:ph type="sldNum" idx="12"/>
+          </p:nvPr>
+        </p:nvSpPr>
+        <p:spPr>
+          <a:xfrm>
+            <a:off x="7618000" y="4636500"/>
+            <a:ext cx="1487400" cy="315600"/>
+          </a:xfrm>
+          <a:prstGeom prst="rect">
+            <a:avLst/>
+          </a:prstGeom>
+        </p:spPr>
+        <p:txBody>
+          <a:bodyPr wrap="square" lIns="91425" tIns="91425" rIns="91425" bIns="91425" anchor="ctr" anchorCtr="0">
+            <a:noAutofit/>
+          </a:bodyPr>
+          <a:lstStyle/>
+          <a:p>
+            <a:pPr lvl="0">
+              <a:spcBef>
+                <a:spcPts val="0"/>
+              </a:spcBef>
+              <a:buNone/>
+            </a:pPr>
+            <a:fld id="{00000000-1234-1234-1234-123412341234}" type="slidenum">
+              <a:rPr lang="en"/>
+              <a:t>‹Nr.›</a:t>
+            </a:fld>
+            <a:endParaRPr lang="en"/>
+          </a:p>
+        </p:txBody>
+      </p:sp>
+    </p:spTree>
+    <p:extLst>
+      <p:ext uri="{BB962C8B-B14F-4D97-AF65-F5344CB8AC3E}">
+        <p14:creationId xmlns:p14="http://schemas.microsoft.com/office/powerpoint/2010/main" val="1512923969"/>
+      </p:ext>
+    </p:extLst>
+  </p:cSld>
+  <p:clrMapOvr>
+    <a:masterClrMapping/>
+  </p:clrMapOvr>
+</p:sldLayout>
+</file>
+
 <file path=ppt/slideMasters/slideMaster1.xml><?xml version="1.0" encoding="utf-8"?>
 <p:sldMaster xmlns:a="http://schemas.openxmlformats.org/drawingml/2006/main" xmlns:r="http://schemas.openxmlformats.org/officeDocument/2006/relationships" xmlns:p="http://schemas.openxmlformats.org/presentationml/2006/main">
   <p:cSld name="simple-light">
@@ -3873,6 +5119,7 @@
     <p:sldLayoutId id="2147483649" r:id="rId1"/>
     <p:sldLayoutId id="2147483651" r:id="rId2"/>
     <p:sldLayoutId id="2147483658" r:id="rId3"/>
+    <p:sldLayoutId id="2147483659" r:id="rId4"/>
   </p:sldLayoutIdLst>
   <p:transition>
     <p:fade thruBlk="1"/>
@@ -4926,6 +6173,203 @@
   <p:cSld>
     <p:spTree>
       <p:nvGrpSpPr>
+        <p:cNvPr id="1" name="Shape 235"/>
+        <p:cNvGrpSpPr/>
+        <p:nvPr/>
+      </p:nvGrpSpPr>
+      <p:grpSpPr>
+        <a:xfrm>
+          <a:off x="0" y="0"/>
+          <a:ext cx="0" cy="0"/>
+          <a:chOff x="0" y="0"/>
+          <a:chExt cx="0" cy="0"/>
+        </a:xfrm>
+      </p:grpSpPr>
+      <p:sp>
+        <p:nvSpPr>
+          <p:cNvPr id="236" name="Shape 236"/>
+          <p:cNvSpPr txBox="1">
+            <a:spLocks noGrp="1"/>
+          </p:cNvSpPr>
+          <p:nvPr>
+            <p:ph type="title"/>
+          </p:nvPr>
+        </p:nvSpPr>
+        <p:spPr>
+          <a:xfrm>
+            <a:off x="814275" y="392575"/>
+            <a:ext cx="5492400" cy="766200"/>
+          </a:xfrm>
+          <a:prstGeom prst="rect">
+            <a:avLst/>
+          </a:prstGeom>
+        </p:spPr>
+        <p:txBody>
+          <a:bodyPr wrap="square" lIns="91425" tIns="91425" rIns="91425" bIns="91425" anchor="ctr" anchorCtr="0">
+            <a:noAutofit/>
+          </a:bodyPr>
+          <a:lstStyle/>
+          <a:p>
+            <a:pPr lvl="0"/>
+            <a:r>
+              <a:rPr lang="de-DE" dirty="0"/>
+              <a:t>WAS BENÖTIGEN WIR?</a:t>
+            </a:r>
+            <a:endParaRPr lang="en" dirty="0"/>
+          </a:p>
+        </p:txBody>
+      </p:sp>
+      <p:sp>
+        <p:nvSpPr>
+          <p:cNvPr id="237" name="Shape 237"/>
+          <p:cNvSpPr txBox="1">
+            <a:spLocks noGrp="1"/>
+          </p:cNvSpPr>
+          <p:nvPr>
+            <p:ph type="body" idx="1"/>
+          </p:nvPr>
+        </p:nvSpPr>
+        <p:spPr>
+          <a:xfrm>
+            <a:off x="814274" y="1327350"/>
+            <a:ext cx="7817108" cy="3145500"/>
+          </a:xfrm>
+          <a:prstGeom prst="rect">
+            <a:avLst/>
+          </a:prstGeom>
+        </p:spPr>
+        <p:txBody>
+          <a:bodyPr wrap="square" lIns="91425" tIns="91425" rIns="91425" bIns="91425" anchor="ctr" anchorCtr="0">
+            <a:noAutofit/>
+          </a:bodyPr>
+          <a:lstStyle/>
+          <a:p>
+            <a:pPr marL="457200" lvl="0" indent="-381000" rtl="0">
+              <a:spcBef>
+                <a:spcPts val="0"/>
+              </a:spcBef>
+              <a:spcAft>
+                <a:spcPts val="1000"/>
+              </a:spcAft>
+              <a:buSzPct val="100000"/>
+              <a:buFont typeface="Arial" panose="020B0604020202020204" pitchFamily="34" charset="0"/>
+              <a:buChar char="•"/>
+            </a:pPr>
+            <a:r>
+              <a:rPr lang="de-DE" dirty="0"/>
+              <a:t>Ausreichend </a:t>
+            </a:r>
+            <a:r>
+              <a:rPr lang="de-DE"/>
+              <a:t>große Datensätze</a:t>
+            </a:r>
+          </a:p>
+          <a:p>
+            <a:pPr marL="457200" lvl="0" indent="-381000" rtl="0">
+              <a:spcBef>
+                <a:spcPts val="0"/>
+              </a:spcBef>
+              <a:spcAft>
+                <a:spcPts val="1000"/>
+              </a:spcAft>
+              <a:buSzPct val="100000"/>
+              <a:buFont typeface="Arial" panose="020B0604020202020204" pitchFamily="34" charset="0"/>
+              <a:buChar char="•"/>
+            </a:pPr>
+            <a:r>
+              <a:rPr lang="de-DE"/>
+              <a:t>Die </a:t>
+            </a:r>
+            <a:r>
+              <a:rPr lang="de-DE" dirty="0"/>
+              <a:t>Daten müssen der Problemstellung </a:t>
+            </a:r>
+            <a:r>
+              <a:rPr lang="de-DE" i="1" dirty="0"/>
+              <a:t>genau</a:t>
+            </a:r>
+            <a:r>
+              <a:rPr lang="de-DE" dirty="0"/>
+              <a:t> entsprechen</a:t>
+            </a:r>
+          </a:p>
+          <a:p>
+            <a:pPr marL="457200" lvl="0" indent="-381000" rtl="0">
+              <a:spcBef>
+                <a:spcPts val="0"/>
+              </a:spcBef>
+              <a:spcAft>
+                <a:spcPts val="1000"/>
+              </a:spcAft>
+              <a:buSzPct val="100000"/>
+              <a:buFont typeface="Arial" panose="020B0604020202020204" pitchFamily="34" charset="0"/>
+              <a:buChar char="•"/>
+            </a:pPr>
+            <a:r>
+              <a:rPr lang="de-DE" dirty="0"/>
+              <a:t>Dafür wird ein tiefes Verständnis für das Problem verlangt</a:t>
+            </a:r>
+            <a:endParaRPr lang="en" dirty="0"/>
+          </a:p>
+        </p:txBody>
+      </p:sp>
+      <p:sp>
+        <p:nvSpPr>
+          <p:cNvPr id="238" name="Shape 238"/>
+          <p:cNvSpPr txBox="1">
+            <a:spLocks noGrp="1"/>
+          </p:cNvSpPr>
+          <p:nvPr>
+            <p:ph type="sldNum" idx="12"/>
+          </p:nvPr>
+        </p:nvSpPr>
+        <p:spPr>
+          <a:xfrm>
+            <a:off x="7618000" y="4636500"/>
+            <a:ext cx="1487400" cy="315600"/>
+          </a:xfrm>
+          <a:prstGeom prst="rect">
+            <a:avLst/>
+          </a:prstGeom>
+        </p:spPr>
+        <p:txBody>
+          <a:bodyPr wrap="square" lIns="91425" tIns="91425" rIns="91425" bIns="91425" anchor="ctr" anchorCtr="0">
+            <a:noAutofit/>
+          </a:bodyPr>
+          <a:lstStyle/>
+          <a:p>
+            <a:pPr lvl="0">
+              <a:spcBef>
+                <a:spcPts val="0"/>
+              </a:spcBef>
+              <a:buNone/>
+            </a:pPr>
+            <a:fld id="{00000000-1234-1234-1234-123412341234}" type="slidenum">
+              <a:rPr lang="en"/>
+              <a:t>4</a:t>
+            </a:fld>
+            <a:endParaRPr lang="en"/>
+          </a:p>
+        </p:txBody>
+      </p:sp>
+    </p:spTree>
+    <p:extLst>
+      <p:ext uri="{BB962C8B-B14F-4D97-AF65-F5344CB8AC3E}">
+        <p14:creationId xmlns:p14="http://schemas.microsoft.com/office/powerpoint/2010/main" val="1472253043"/>
+      </p:ext>
+    </p:extLst>
+  </p:cSld>
+  <p:clrMapOvr>
+    <a:masterClrMapping/>
+  </p:clrMapOvr>
+</p:sld>
+</file>
+
+<file path=ppt/slides/slide5.xml><?xml version="1.0" encoding="utf-8"?>
+<p:sld xmlns:a="http://schemas.openxmlformats.org/drawingml/2006/main" xmlns:r="http://schemas.openxmlformats.org/officeDocument/2006/relationships" xmlns:p="http://schemas.openxmlformats.org/presentationml/2006/main">
+  <p:cSld>
+    <p:spTree>
+      <p:nvGrpSpPr>
         <p:cNvPr id="1" name="Shape 340"/>
         <p:cNvGrpSpPr/>
         <p:nvPr/>
@@ -4984,7 +6428,7 @@
           <p:nvPr>
             <p:extLst>
               <p:ext uri="{D42A27DB-BD31-4B8C-83A1-F6EECF244321}">
-                <p14:modId xmlns:p14="http://schemas.microsoft.com/office/powerpoint/2010/main" val="3077646137"/>
+                <p14:modId xmlns:p14="http://schemas.microsoft.com/office/powerpoint/2010/main" val="3115484293"/>
               </p:ext>
             </p:extLst>
           </p:nvPr>
@@ -5036,7 +6480,7 @@
                     <a:bodyPr/>
                     <a:lstStyle/>
                     <a:p>
-                      <a:pPr lvl="0" algn="r">
+                      <a:pPr lvl="0" algn="ctr">
                         <a:spcBef>
                           <a:spcPts val="0"/>
                         </a:spcBef>
@@ -5119,24 +6563,28 @@
                         <a:buNone/>
                       </a:pPr>
                       <a:r>
-                        <a:rPr lang="de-DE" sz="2400" b="1" dirty="0" err="1">
+                        <a:rPr lang="de-DE" sz="2000" b="1" i="0" u="none" strike="noStrike" cap="none" dirty="0" err="1">
                           <a:solidFill>
-                            <a:srgbClr val="263248"/>
+                            <a:schemeClr val="accent1">
+                              <a:lumMod val="50000"/>
+                            </a:schemeClr>
                           </a:solidFill>
-                          <a:latin typeface="Roboto Condensed"/>
-                          <a:ea typeface="Roboto Condensed"/>
-                          <a:cs typeface="Roboto Condensed"/>
+                          <a:latin typeface="Roboto" panose="020B0604020202020204" pitchFamily="2" charset="0"/>
+                          <a:ea typeface="Roboto" panose="020B0604020202020204" pitchFamily="2" charset="0"/>
+                          <a:cs typeface="Roboto" panose="020B0604020202020204" pitchFamily="2" charset="0"/>
                           <a:sym typeface="Roboto Condensed"/>
                         </a:rPr>
                         <a:t>Supervised</a:t>
                       </a:r>
-                      <a:endParaRPr lang="de-DE" sz="2400" b="1" dirty="0">
+                      <a:endParaRPr lang="de-DE" sz="2000" b="1" i="0" u="none" strike="noStrike" cap="none" dirty="0">
                         <a:solidFill>
-                          <a:srgbClr val="263248"/>
+                          <a:schemeClr val="accent1">
+                            <a:lumMod val="50000"/>
+                          </a:schemeClr>
                         </a:solidFill>
-                        <a:latin typeface="Roboto Condensed"/>
-                        <a:ea typeface="Roboto Condensed"/>
-                        <a:cs typeface="Roboto Condensed"/>
+                        <a:latin typeface="Roboto" panose="020B0604020202020204" pitchFamily="2" charset="0"/>
+                        <a:ea typeface="Roboto" panose="020B0604020202020204" pitchFamily="2" charset="0"/>
+                        <a:cs typeface="Roboto" panose="020B0604020202020204" pitchFamily="2" charset="0"/>
                         <a:sym typeface="Roboto Condensed"/>
                       </a:endParaRPr>
                     </a:p>
@@ -5148,24 +6596,28 @@
                         <a:buNone/>
                       </a:pPr>
                       <a:r>
-                        <a:rPr lang="de-DE" sz="2400" b="1" dirty="0">
+                        <a:rPr lang="de-DE" sz="2000" b="1" i="0" u="none" strike="noStrike" cap="none" dirty="0">
                           <a:solidFill>
-                            <a:srgbClr val="263248"/>
+                            <a:schemeClr val="accent1">
+                              <a:lumMod val="50000"/>
+                            </a:schemeClr>
                           </a:solidFill>
-                          <a:latin typeface="Roboto Condensed"/>
-                          <a:ea typeface="Roboto Condensed"/>
-                          <a:cs typeface="Roboto Condensed"/>
+                          <a:latin typeface="Roboto" panose="020B0604020202020204" pitchFamily="2" charset="0"/>
+                          <a:ea typeface="Roboto" panose="020B0604020202020204" pitchFamily="2" charset="0"/>
+                          <a:cs typeface="Roboto" panose="020B0604020202020204" pitchFamily="2" charset="0"/>
                           <a:sym typeface="Roboto Condensed"/>
                         </a:rPr>
                         <a:t>Learning</a:t>
                       </a:r>
-                      <a:endParaRPr lang="en" sz="2400" b="1" dirty="0">
+                      <a:endParaRPr lang="en" sz="2000" b="1" i="0" u="none" strike="noStrike" cap="none" dirty="0">
                         <a:solidFill>
-                          <a:srgbClr val="263248"/>
+                          <a:schemeClr val="accent1">
+                            <a:lumMod val="50000"/>
+                          </a:schemeClr>
                         </a:solidFill>
-                        <a:latin typeface="Roboto Condensed"/>
-                        <a:ea typeface="Roboto Condensed"/>
-                        <a:cs typeface="Roboto Condensed"/>
+                        <a:latin typeface="Roboto" panose="020B0604020202020204" pitchFamily="2" charset="0"/>
+                        <a:ea typeface="Roboto" panose="020B0604020202020204" pitchFamily="2" charset="0"/>
+                        <a:cs typeface="Roboto" panose="020B0604020202020204" pitchFamily="2" charset="0"/>
                         <a:sym typeface="Roboto Condensed"/>
                       </a:endParaRPr>
                     </a:p>
@@ -5221,36 +6673,42 @@
                         <a:buNone/>
                       </a:pPr>
                       <a:r>
-                        <a:rPr lang="de-DE" sz="2400" b="1" dirty="0" err="1">
+                        <a:rPr lang="de-DE" sz="2000" b="1" i="0" u="none" strike="noStrike" cap="none" dirty="0" err="1">
                           <a:solidFill>
-                            <a:srgbClr val="263248"/>
+                            <a:schemeClr val="accent1">
+                              <a:lumMod val="50000"/>
+                            </a:schemeClr>
                           </a:solidFill>
-                          <a:latin typeface="Roboto Condensed"/>
-                          <a:ea typeface="Roboto Condensed"/>
-                          <a:cs typeface="Roboto Condensed"/>
+                          <a:latin typeface="Roboto" panose="020B0604020202020204" pitchFamily="2" charset="0"/>
+                          <a:ea typeface="Roboto" panose="020B0604020202020204" pitchFamily="2" charset="0"/>
+                          <a:cs typeface="Roboto" panose="020B0604020202020204" pitchFamily="2" charset="0"/>
                           <a:sym typeface="Roboto Condensed"/>
                         </a:rPr>
                         <a:t>Unsupervised</a:t>
                       </a:r>
                       <a:r>
-                        <a:rPr lang="de-DE" sz="2400" b="1" dirty="0">
+                        <a:rPr lang="de-DE" sz="2000" b="1" i="0" u="none" strike="noStrike" cap="none" dirty="0">
                           <a:solidFill>
-                            <a:srgbClr val="263248"/>
+                            <a:schemeClr val="accent1">
+                              <a:lumMod val="50000"/>
+                            </a:schemeClr>
                           </a:solidFill>
-                          <a:latin typeface="Roboto Condensed"/>
-                          <a:ea typeface="Roboto Condensed"/>
-                          <a:cs typeface="Roboto Condensed"/>
+                          <a:latin typeface="Roboto" panose="020B0604020202020204" pitchFamily="2" charset="0"/>
+                          <a:ea typeface="Roboto" panose="020B0604020202020204" pitchFamily="2" charset="0"/>
+                          <a:cs typeface="Roboto" panose="020B0604020202020204" pitchFamily="2" charset="0"/>
                           <a:sym typeface="Roboto Condensed"/>
                         </a:rPr>
                         <a:t> Learning</a:t>
                       </a:r>
-                      <a:endParaRPr lang="en" sz="2400" b="1" dirty="0">
+                      <a:endParaRPr lang="en" sz="2000" b="1" i="0" u="none" strike="noStrike" cap="none" dirty="0">
                         <a:solidFill>
-                          <a:srgbClr val="263248"/>
+                          <a:schemeClr val="accent1">
+                            <a:lumMod val="50000"/>
+                          </a:schemeClr>
                         </a:solidFill>
-                        <a:latin typeface="Roboto Condensed"/>
-                        <a:ea typeface="Roboto Condensed"/>
-                        <a:cs typeface="Roboto Condensed"/>
+                        <a:latin typeface="Roboto" panose="020B0604020202020204" pitchFamily="2" charset="0"/>
+                        <a:ea typeface="Roboto" panose="020B0604020202020204" pitchFamily="2" charset="0"/>
+                        <a:cs typeface="Roboto" panose="020B0604020202020204" pitchFamily="2" charset="0"/>
                         <a:sym typeface="Roboto Condensed"/>
                       </a:endParaRPr>
                     </a:p>
@@ -5315,27 +6773,7 @@
                           <a:cs typeface="Roboto Condensed"/>
                           <a:sym typeface="Roboto Condensed"/>
                         </a:rPr>
-                        <a:t>Reinforcment</a:t>
-                      </a:r>
-                    </a:p>
-                    <a:p>
-                      <a:pPr lvl="0" algn="ctr">
-                        <a:spcBef>
-                          <a:spcPts val="0"/>
-                        </a:spcBef>
-                        <a:buNone/>
-                      </a:pPr>
-                      <a:r>
-                        <a:rPr lang="en" sz="2400" b="1" dirty="0">
-                          <a:solidFill>
-                            <a:srgbClr val="263248"/>
-                          </a:solidFill>
-                          <a:latin typeface="Roboto Condensed"/>
-                          <a:ea typeface="Roboto Condensed"/>
-                          <a:cs typeface="Roboto Condensed"/>
-                          <a:sym typeface="Roboto Condensed"/>
-                        </a:rPr>
-                        <a:t>Learning</a:t>
+                        <a:t>Reinforcm</a:t>
                       </a:r>
                     </a:p>
                   </a:txBody>
@@ -5421,7 +6859,7 @@
             </a:pPr>
             <a:fld id="{00000000-1234-1234-1234-123412341234}" type="slidenum">
               <a:rPr lang="en"/>
-              <a:t>4</a:t>
+              <a:t>5</a:t>
             </a:fld>
             <a:endParaRPr lang="en"/>
           </a:p>
@@ -6186,62 +7624,6 @@
           </p:txBody>
         </p:sp>
       </p:grpSp>
-      <p:sp>
-        <p:nvSpPr>
-          <p:cNvPr id="2" name="Textfeld 1">
-            <a:extLst>
-              <a:ext uri="{FF2B5EF4-FFF2-40B4-BE49-F238E27FC236}">
-                <a16:creationId xmlns:a16="http://schemas.microsoft.com/office/drawing/2014/main" id="{3C2F2E03-80C5-44F8-80E1-01F23449DB18}"/>
-              </a:ext>
-            </a:extLst>
-          </p:cNvPr>
-          <p:cNvSpPr txBox="1"/>
-          <p:nvPr/>
-        </p:nvSpPr>
-        <p:spPr>
-          <a:xfrm>
-            <a:off x="307844" y="1820529"/>
-            <a:ext cx="8264818" cy="2031325"/>
-          </a:xfrm>
-          <a:prstGeom prst="rect">
-            <a:avLst/>
-          </a:prstGeom>
-          <a:noFill/>
-        </p:spPr>
-        <p:txBody>
-          <a:bodyPr wrap="square" rtlCol="0">
-            <a:spAutoFit/>
-          </a:bodyPr>
-          <a:lstStyle/>
-          <a:p>
-            <a:endParaRPr lang="de-DE" dirty="0"/>
-          </a:p>
-          <a:p>
-            <a:endParaRPr lang="de-DE" dirty="0"/>
-          </a:p>
-          <a:p>
-            <a:endParaRPr lang="de-DE" dirty="0"/>
-          </a:p>
-          <a:p>
-            <a:endParaRPr lang="de-DE" dirty="0"/>
-          </a:p>
-          <a:p>
-            <a:endParaRPr lang="de-DE" dirty="0"/>
-          </a:p>
-          <a:p>
-            <a:endParaRPr lang="de-DE" dirty="0"/>
-          </a:p>
-          <a:p>
-            <a:endParaRPr lang="de-DE" dirty="0"/>
-          </a:p>
-          <a:p>
-            <a:endParaRPr lang="de-DE" dirty="0"/>
-          </a:p>
-          <a:p>
-            <a:endParaRPr lang="de-DE" dirty="0"/>
-          </a:p>
-        </p:txBody>
-      </p:sp>
       <p:sp>
         <p:nvSpPr>
           <p:cNvPr id="3" name="Rechteck 2">
@@ -6310,8 +7692,8 @@
         </p:nvSpPr>
         <p:spPr>
           <a:xfrm>
-            <a:off x="6019801" y="2571750"/>
-            <a:ext cx="2019604" cy="830997"/>
+            <a:off x="6072675" y="2629537"/>
+            <a:ext cx="2019604" cy="707886"/>
           </a:xfrm>
           <a:prstGeom prst="rect">
             <a:avLst/>
@@ -6324,29 +7706,33 @@
           </a:bodyPr>
           <a:lstStyle/>
           <a:p>
+            <a:pPr algn="ctr"/>
             <a:r>
-              <a:rPr lang="de-DE" sz="2400" b="1" dirty="0">
+              <a:rPr lang="de-DE" sz="2000" b="1" dirty="0">
                 <a:solidFill>
                   <a:schemeClr val="accent1">
                     <a:lumMod val="50000"/>
                   </a:schemeClr>
                 </a:solidFill>
-                <a:latin typeface="Roboto Condensed Light" panose="020B0604020202020204" charset="0"/>
-                <a:ea typeface="Roboto Condensed Light" panose="020B0604020202020204" charset="0"/>
+                <a:latin typeface="Roboto" panose="02000000000000000000" pitchFamily="2" charset="0"/>
+                <a:ea typeface="Roboto" panose="02000000000000000000" pitchFamily="2" charset="0"/>
+                <a:cs typeface="Roboto" panose="02000000000000000000" pitchFamily="2" charset="0"/>
               </a:rPr>
               <a:t>Reinforcement</a:t>
             </a:r>
           </a:p>
           <a:p>
+            <a:pPr algn="ctr"/>
             <a:r>
-              <a:rPr lang="de-DE" sz="2400" b="1" dirty="0">
+              <a:rPr lang="de-DE" sz="2000" b="1" dirty="0">
                 <a:solidFill>
                   <a:schemeClr val="accent1">
                     <a:lumMod val="50000"/>
                   </a:schemeClr>
                 </a:solidFill>
-                <a:latin typeface="Roboto Condensed Light" panose="020B0604020202020204" charset="0"/>
-                <a:ea typeface="Roboto Condensed Light" panose="020B0604020202020204" charset="0"/>
+                <a:latin typeface="Roboto" panose="020B0604020202020204" pitchFamily="2" charset="0"/>
+                <a:ea typeface="Roboto" panose="020B0604020202020204" pitchFamily="2" charset="0"/>
+                <a:cs typeface="Roboto" panose="020B0604020202020204" pitchFamily="2" charset="0"/>
               </a:rPr>
               <a:t>Learning</a:t>
             </a:r>
@@ -6366,7 +7752,656 @@
 </p:sld>
 </file>
 
-<file path=ppt/slides/slide5.xml><?xml version="1.0" encoding="utf-8"?>
+<file path=ppt/slides/slide6.xml><?xml version="1.0" encoding="utf-8"?>
+<p:sld xmlns:a="http://schemas.openxmlformats.org/drawingml/2006/main" xmlns:r="http://schemas.openxmlformats.org/officeDocument/2006/relationships" xmlns:p="http://schemas.openxmlformats.org/presentationml/2006/main">
+  <p:cSld>
+    <p:spTree>
+      <p:nvGrpSpPr>
+        <p:cNvPr id="1" name="Shape 340"/>
+        <p:cNvGrpSpPr/>
+        <p:nvPr/>
+      </p:nvGrpSpPr>
+      <p:grpSpPr>
+        <a:xfrm>
+          <a:off x="0" y="0"/>
+          <a:ext cx="0" cy="0"/>
+          <a:chOff x="0" y="0"/>
+          <a:chExt cx="0" cy="0"/>
+        </a:xfrm>
+      </p:grpSpPr>
+      <p:sp>
+        <p:nvSpPr>
+          <p:cNvPr id="341" name="Shape 341"/>
+          <p:cNvSpPr txBox="1">
+            <a:spLocks noGrp="1"/>
+          </p:cNvSpPr>
+          <p:nvPr>
+            <p:ph type="title"/>
+          </p:nvPr>
+        </p:nvSpPr>
+        <p:spPr>
+          <a:xfrm>
+            <a:off x="814275" y="392575"/>
+            <a:ext cx="5258400" cy="766200"/>
+          </a:xfrm>
+          <a:prstGeom prst="rect">
+            <a:avLst/>
+          </a:prstGeom>
+        </p:spPr>
+        <p:txBody>
+          <a:bodyPr wrap="square" lIns="91425" tIns="91425" rIns="91425" bIns="91425" anchor="ctr" anchorCtr="0">
+            <a:noAutofit/>
+          </a:bodyPr>
+          <a:lstStyle/>
+          <a:p>
+            <a:pPr lvl="0" rtl="0">
+              <a:spcBef>
+                <a:spcPts val="0"/>
+              </a:spcBef>
+              <a:buNone/>
+            </a:pPr>
+            <a:r>
+              <a:rPr lang="de-DE" dirty="0"/>
+              <a:t>SUPERVISED LEARNING</a:t>
+            </a:r>
+            <a:endParaRPr lang="en" dirty="0"/>
+          </a:p>
+        </p:txBody>
+      </p:sp>
+      <p:graphicFrame>
+        <p:nvGraphicFramePr>
+          <p:cNvPr id="342" name="Shape 342"/>
+          <p:cNvGraphicFramePr/>
+          <p:nvPr>
+            <p:extLst>
+              <p:ext uri="{D42A27DB-BD31-4B8C-83A1-F6EECF244321}">
+                <p14:modId xmlns:p14="http://schemas.microsoft.com/office/powerpoint/2010/main" val="1122837212"/>
+              </p:ext>
+            </p:extLst>
+          </p:nvPr>
+        </p:nvGraphicFramePr>
+        <p:xfrm>
+          <a:off x="814275" y="2058174"/>
+          <a:ext cx="6575678" cy="1932580"/>
+        </p:xfrm>
+        <a:graphic>
+          <a:graphicData uri="http://schemas.openxmlformats.org/drawingml/2006/table">
+            <a:tbl>
+              <a:tblPr>
+                <a:noFill/>
+                <a:tableStyleId>{2111A296-C045-46EA-898B-143958A31390}</a:tableStyleId>
+              </a:tblPr>
+              <a:tblGrid>
+                <a:gridCol w="1571277">
+                  <a:extLst>
+                    <a:ext uri="{9D8B030D-6E8A-4147-A177-3AD203B41FA5}">
+                      <a16:colId xmlns:a16="http://schemas.microsoft.com/office/drawing/2014/main" val="20000"/>
+                    </a:ext>
+                  </a:extLst>
+                </a:gridCol>
+                <a:gridCol w="2411645">
+                  <a:extLst>
+                    <a:ext uri="{9D8B030D-6E8A-4147-A177-3AD203B41FA5}">
+                      <a16:colId xmlns:a16="http://schemas.microsoft.com/office/drawing/2014/main" val="20001"/>
+                    </a:ext>
+                  </a:extLst>
+                </a:gridCol>
+                <a:gridCol w="2592756">
+                  <a:extLst>
+                    <a:ext uri="{9D8B030D-6E8A-4147-A177-3AD203B41FA5}">
+                      <a16:colId xmlns:a16="http://schemas.microsoft.com/office/drawing/2014/main" val="20002"/>
+                    </a:ext>
+                  </a:extLst>
+                </a:gridCol>
+              </a:tblGrid>
+              <a:tr h="1932580">
+                <a:tc>
+                  <a:txBody>
+                    <a:bodyPr/>
+                    <a:lstStyle/>
+                    <a:p>
+                      <a:pPr lvl="0" algn="r">
+                        <a:spcBef>
+                          <a:spcPts val="0"/>
+                        </a:spcBef>
+                        <a:buNone/>
+                      </a:pPr>
+                      <a:r>
+                        <a:rPr lang="de-DE" sz="2400" dirty="0" err="1">
+                          <a:solidFill>
+                            <a:srgbClr val="3F5378"/>
+                          </a:solidFill>
+                          <a:latin typeface="Roboto Condensed"/>
+                          <a:ea typeface="Roboto Condensed"/>
+                          <a:cs typeface="Roboto Condensed"/>
+                          <a:sym typeface="Roboto Condensed"/>
+                        </a:rPr>
+                        <a:t>Supervised</a:t>
+                      </a:r>
+                      <a:endParaRPr lang="de-DE" sz="2400" dirty="0">
+                        <a:solidFill>
+                          <a:srgbClr val="3F5378"/>
+                        </a:solidFill>
+                        <a:latin typeface="Roboto Condensed"/>
+                        <a:ea typeface="Roboto Condensed"/>
+                        <a:cs typeface="Roboto Condensed"/>
+                        <a:sym typeface="Roboto Condensed"/>
+                      </a:endParaRPr>
+                    </a:p>
+                    <a:p>
+                      <a:pPr lvl="0" algn="ctr">
+                        <a:spcBef>
+                          <a:spcPts val="0"/>
+                        </a:spcBef>
+                        <a:buNone/>
+                      </a:pPr>
+                      <a:r>
+                        <a:rPr lang="de-DE" sz="2400" dirty="0">
+                          <a:solidFill>
+                            <a:srgbClr val="3F5378"/>
+                          </a:solidFill>
+                          <a:latin typeface="Roboto Condensed"/>
+                          <a:ea typeface="Roboto Condensed"/>
+                          <a:cs typeface="Roboto Condensed"/>
+                          <a:sym typeface="Roboto Condensed"/>
+                        </a:rPr>
+                        <a:t>Learning</a:t>
+                      </a:r>
+                      <a:endParaRPr lang="en" sz="2400" dirty="0">
+                        <a:solidFill>
+                          <a:srgbClr val="3F5378"/>
+                        </a:solidFill>
+                        <a:latin typeface="Roboto Condensed"/>
+                        <a:ea typeface="Roboto Condensed"/>
+                        <a:cs typeface="Roboto Condensed"/>
+                        <a:sym typeface="Roboto Condensed"/>
+                      </a:endParaRPr>
+                    </a:p>
+                  </a:txBody>
+                  <a:tcPr marL="91425" marR="91425" marT="68575" marB="68575" anchor="ctr">
+                    <a:lnL w="9525" cap="flat" cmpd="sng">
+                      <a:solidFill>
+                        <a:srgbClr val="FFFFFF"/>
+                      </a:solidFill>
+                      <a:prstDash val="solid"/>
+                      <a:round/>
+                      <a:headEnd type="none" w="med" len="med"/>
+                      <a:tailEnd type="none" w="med" len="med"/>
+                    </a:lnL>
+                    <a:lnR w="9525" cap="flat" cmpd="sng" algn="ctr">
+                      <a:solidFill>
+                        <a:srgbClr val="FFFFFF"/>
+                      </a:solidFill>
+                      <a:prstDash val="solid"/>
+                      <a:round/>
+                      <a:headEnd type="none" w="med" len="med"/>
+                      <a:tailEnd type="none" w="med" len="med"/>
+                    </a:lnR>
+                    <a:lnT w="9525" cap="flat" cmpd="sng">
+                      <a:solidFill>
+                        <a:srgbClr val="FFFFFF"/>
+                      </a:solidFill>
+                      <a:prstDash val="solid"/>
+                      <a:round/>
+                      <a:headEnd type="none" w="med" len="med"/>
+                      <a:tailEnd type="none" w="med" len="med"/>
+                    </a:lnT>
+                    <a:lnB w="9525" cap="flat" cmpd="sng">
+                      <a:solidFill>
+                        <a:srgbClr val="FFFFFF"/>
+                      </a:solidFill>
+                      <a:prstDash val="solid"/>
+                      <a:round/>
+                      <a:headEnd type="none" w="med" len="med"/>
+                      <a:tailEnd type="none" w="med" len="med"/>
+                    </a:lnB>
+                    <a:solidFill>
+                      <a:srgbClr val="C7D3E6"/>
+                    </a:solidFill>
+                  </a:tcPr>
+                </a:tc>
+                <a:tc>
+                  <a:txBody>
+                    <a:bodyPr/>
+                    <a:lstStyle/>
+                    <a:p>
+                      <a:pPr lvl="0" algn="ctr">
+                        <a:spcBef>
+                          <a:spcPts val="0"/>
+                        </a:spcBef>
+                        <a:buNone/>
+                      </a:pPr>
+                      <a:r>
+                        <a:rPr lang="de-DE" sz="2400" b="1" dirty="0">
+                          <a:solidFill>
+                            <a:srgbClr val="263248"/>
+                          </a:solidFill>
+                          <a:latin typeface="Roboto Condensed"/>
+                          <a:ea typeface="Roboto Condensed"/>
+                          <a:cs typeface="Roboto Condensed"/>
+                          <a:sym typeface="Roboto Condensed"/>
+                        </a:rPr>
+                        <a:t>Regression</a:t>
+                      </a:r>
+                      <a:endParaRPr lang="en" sz="2400" b="1" dirty="0">
+                        <a:solidFill>
+                          <a:srgbClr val="263248"/>
+                        </a:solidFill>
+                        <a:latin typeface="Roboto Condensed"/>
+                        <a:ea typeface="Roboto Condensed"/>
+                        <a:cs typeface="Roboto Condensed"/>
+                        <a:sym typeface="Roboto Condensed"/>
+                      </a:endParaRPr>
+                    </a:p>
+                  </a:txBody>
+                  <a:tcPr marL="91425" marR="91425" marT="68575" marB="68575" anchor="ctr">
+                    <a:lnL w="9525" cap="flat" cmpd="sng" algn="ctr">
+                      <a:solidFill>
+                        <a:srgbClr val="FFFFFF"/>
+                      </a:solidFill>
+                      <a:prstDash val="solid"/>
+                      <a:round/>
+                      <a:headEnd type="none" w="med" len="med"/>
+                      <a:tailEnd type="none" w="med" len="med"/>
+                    </a:lnL>
+                    <a:lnR w="9525" cap="flat" cmpd="sng" algn="ctr">
+                      <a:solidFill>
+                        <a:srgbClr val="C7D3E6"/>
+                      </a:solidFill>
+                      <a:prstDash val="solid"/>
+                      <a:round/>
+                      <a:headEnd type="none" w="med" len="med"/>
+                      <a:tailEnd type="none" w="med" len="med"/>
+                    </a:lnR>
+                    <a:lnT w="9525" cap="flat" cmpd="sng">
+                      <a:solidFill>
+                        <a:srgbClr val="C7D3E6"/>
+                      </a:solidFill>
+                      <a:prstDash val="solid"/>
+                      <a:round/>
+                      <a:headEnd type="none" w="med" len="med"/>
+                      <a:tailEnd type="none" w="med" len="med"/>
+                    </a:lnT>
+                    <a:lnB w="9525" cap="flat" cmpd="sng">
+                      <a:solidFill>
+                        <a:srgbClr val="C7D3E6"/>
+                      </a:solidFill>
+                      <a:prstDash val="solid"/>
+                      <a:round/>
+                      <a:headEnd type="none" w="med" len="med"/>
+                      <a:tailEnd type="none" w="med" len="med"/>
+                    </a:lnB>
+                  </a:tcPr>
+                </a:tc>
+                <a:tc>
+                  <a:txBody>
+                    <a:bodyPr/>
+                    <a:lstStyle/>
+                    <a:p>
+                      <a:pPr lvl="0" algn="ctr">
+                        <a:spcBef>
+                          <a:spcPts val="0"/>
+                        </a:spcBef>
+                        <a:buNone/>
+                      </a:pPr>
+                      <a:r>
+                        <a:rPr lang="de-DE" sz="2400" b="1" dirty="0">
+                          <a:solidFill>
+                            <a:srgbClr val="263248"/>
+                          </a:solidFill>
+                          <a:latin typeface="Roboto Condensed"/>
+                          <a:ea typeface="Roboto Condensed"/>
+                          <a:cs typeface="Roboto Condensed"/>
+                          <a:sym typeface="Roboto Condensed"/>
+                        </a:rPr>
+                        <a:t>Klassifikation</a:t>
+                      </a:r>
+                      <a:endParaRPr lang="en" sz="2400" b="1" dirty="0">
+                        <a:solidFill>
+                          <a:srgbClr val="263248"/>
+                        </a:solidFill>
+                        <a:latin typeface="Roboto Condensed"/>
+                        <a:ea typeface="Roboto Condensed"/>
+                        <a:cs typeface="Roboto Condensed"/>
+                        <a:sym typeface="Roboto Condensed"/>
+                      </a:endParaRPr>
+                    </a:p>
+                  </a:txBody>
+                  <a:tcPr marL="91425" marR="91425" marT="68575" marB="68575" anchor="ctr">
+                    <a:lnL w="9525" cap="flat" cmpd="sng" algn="ctr">
+                      <a:solidFill>
+                        <a:srgbClr val="C7D3E6"/>
+                      </a:solidFill>
+                      <a:prstDash val="solid"/>
+                      <a:round/>
+                      <a:headEnd type="none" w="med" len="med"/>
+                      <a:tailEnd type="none" w="med" len="med"/>
+                    </a:lnL>
+                    <a:lnR w="9525" cap="flat" cmpd="sng" algn="ctr">
+                      <a:solidFill>
+                        <a:srgbClr val="C7D3E6"/>
+                      </a:solidFill>
+                      <a:prstDash val="solid"/>
+                      <a:round/>
+                      <a:headEnd type="none" w="med" len="med"/>
+                      <a:tailEnd type="none" w="med" len="med"/>
+                    </a:lnR>
+                    <a:lnT w="9525" cap="flat" cmpd="sng">
+                      <a:solidFill>
+                        <a:srgbClr val="C7D3E6"/>
+                      </a:solidFill>
+                      <a:prstDash val="solid"/>
+                      <a:round/>
+                      <a:headEnd type="none" w="med" len="med"/>
+                      <a:tailEnd type="none" w="med" len="med"/>
+                    </a:lnT>
+                    <a:lnB w="9525" cap="flat" cmpd="sng">
+                      <a:solidFill>
+                        <a:srgbClr val="C7D3E6"/>
+                      </a:solidFill>
+                      <a:prstDash val="solid"/>
+                      <a:round/>
+                      <a:headEnd type="none" w="med" len="med"/>
+                      <a:tailEnd type="none" w="med" len="med"/>
+                    </a:lnB>
+                  </a:tcPr>
+                </a:tc>
+                <a:extLst>
+                  <a:ext uri="{0D108BD9-81ED-4DB2-BD59-A6C34878D82A}">
+                    <a16:rowId xmlns:a16="http://schemas.microsoft.com/office/drawing/2014/main" val="10001"/>
+                  </a:ext>
+                </a:extLst>
+              </a:tr>
+            </a:tbl>
+          </a:graphicData>
+        </a:graphic>
+      </p:graphicFrame>
+      <p:sp>
+        <p:nvSpPr>
+          <p:cNvPr id="343" name="Shape 343"/>
+          <p:cNvSpPr txBox="1">
+            <a:spLocks noGrp="1"/>
+          </p:cNvSpPr>
+          <p:nvPr>
+            <p:ph type="sldNum" idx="12"/>
+          </p:nvPr>
+        </p:nvSpPr>
+        <p:spPr>
+          <a:xfrm>
+            <a:off x="7618000" y="4636500"/>
+            <a:ext cx="1487400" cy="315600"/>
+          </a:xfrm>
+          <a:prstGeom prst="rect">
+            <a:avLst/>
+          </a:prstGeom>
+        </p:spPr>
+        <p:txBody>
+          <a:bodyPr wrap="square" lIns="91425" tIns="91425" rIns="91425" bIns="91425" anchor="ctr" anchorCtr="0">
+            <a:noAutofit/>
+          </a:bodyPr>
+          <a:lstStyle/>
+          <a:p>
+            <a:pPr lvl="0">
+              <a:spcBef>
+                <a:spcPts val="0"/>
+              </a:spcBef>
+              <a:buNone/>
+            </a:pPr>
+            <a:fld id="{00000000-1234-1234-1234-123412341234}" type="slidenum">
+              <a:rPr lang="en"/>
+              <a:t>6</a:t>
+            </a:fld>
+            <a:endParaRPr lang="en"/>
+          </a:p>
+        </p:txBody>
+      </p:sp>
+    </p:spTree>
+    <p:extLst>
+      <p:ext uri="{BB962C8B-B14F-4D97-AF65-F5344CB8AC3E}">
+        <p14:creationId xmlns:p14="http://schemas.microsoft.com/office/powerpoint/2010/main" val="388348998"/>
+      </p:ext>
+    </p:extLst>
+  </p:cSld>
+  <p:clrMapOvr>
+    <a:masterClrMapping/>
+  </p:clrMapOvr>
+</p:sld>
+</file>
+
+<file path=ppt/slides/slide7.xml><?xml version="1.0" encoding="utf-8"?>
+<p:sld xmlns:a="http://schemas.openxmlformats.org/drawingml/2006/main" xmlns:r="http://schemas.openxmlformats.org/officeDocument/2006/relationships" xmlns:p="http://schemas.openxmlformats.org/presentationml/2006/main">
+  <p:cSld>
+    <p:spTree>
+      <p:nvGrpSpPr>
+        <p:cNvPr id="1" name="Shape 266"/>
+        <p:cNvGrpSpPr/>
+        <p:nvPr/>
+      </p:nvGrpSpPr>
+      <p:grpSpPr>
+        <a:xfrm>
+          <a:off x="0" y="0"/>
+          <a:ext cx="0" cy="0"/>
+          <a:chOff x="0" y="0"/>
+          <a:chExt cx="0" cy="0"/>
+        </a:xfrm>
+      </p:grpSpPr>
+      <p:sp>
+        <p:nvSpPr>
+          <p:cNvPr id="267" name="Shape 267"/>
+          <p:cNvSpPr txBox="1">
+            <a:spLocks noGrp="1"/>
+          </p:cNvSpPr>
+          <p:nvPr>
+            <p:ph type="body" idx="1"/>
+          </p:nvPr>
+        </p:nvSpPr>
+        <p:spPr>
+          <a:xfrm>
+            <a:off x="814275" y="1537988"/>
+            <a:ext cx="3378300" cy="2724300"/>
+          </a:xfrm>
+          <a:prstGeom prst="rect">
+            <a:avLst/>
+          </a:prstGeom>
+        </p:spPr>
+        <p:txBody>
+          <a:bodyPr wrap="square" lIns="91425" tIns="91425" rIns="91425" bIns="91425" anchor="t" anchorCtr="0">
+            <a:noAutofit/>
+          </a:bodyPr>
+          <a:lstStyle/>
+          <a:p>
+            <a:pPr lvl="0" rtl="0">
+              <a:spcBef>
+                <a:spcPts val="0"/>
+              </a:spcBef>
+              <a:buNone/>
+            </a:pPr>
+            <a:r>
+              <a:rPr lang="de-DE" b="1" dirty="0"/>
+              <a:t>Regression</a:t>
+            </a:r>
+            <a:endParaRPr lang="en" b="1" dirty="0"/>
+          </a:p>
+          <a:p>
+            <a:pPr lvl="0">
+              <a:spcBef>
+                <a:spcPts val="0"/>
+              </a:spcBef>
+              <a:buNone/>
+            </a:pPr>
+            <a:r>
+              <a:rPr lang="en" dirty="0"/>
+              <a:t>Erstellen einer F</a:t>
+            </a:r>
+            <a:r>
+              <a:rPr lang="de-DE" dirty="0" err="1"/>
+              <a:t>unktion</a:t>
+            </a:r>
+            <a:r>
+              <a:rPr lang="de-DE" dirty="0"/>
+              <a:t>, die Numerische Werte annähert.</a:t>
+            </a:r>
+            <a:br>
+              <a:rPr lang="de-DE" dirty="0"/>
+            </a:br>
+            <a:r>
+              <a:rPr lang="de-DE" dirty="0"/>
+              <a:t>Die Funktion wird anhand vorliegender Daten optimiert.</a:t>
+            </a:r>
+          </a:p>
+        </p:txBody>
+      </p:sp>
+      <p:sp>
+        <p:nvSpPr>
+          <p:cNvPr id="268" name="Shape 268"/>
+          <p:cNvSpPr txBox="1">
+            <a:spLocks noGrp="1"/>
+          </p:cNvSpPr>
+          <p:nvPr>
+            <p:ph type="title"/>
+          </p:nvPr>
+        </p:nvSpPr>
+        <p:spPr>
+          <a:xfrm>
+            <a:off x="814275" y="392575"/>
+            <a:ext cx="5258400" cy="766200"/>
+          </a:xfrm>
+          <a:prstGeom prst="rect">
+            <a:avLst/>
+          </a:prstGeom>
+        </p:spPr>
+        <p:txBody>
+          <a:bodyPr wrap="square" lIns="91425" tIns="91425" rIns="91425" bIns="91425" anchor="ctr" anchorCtr="0">
+            <a:noAutofit/>
+          </a:bodyPr>
+          <a:lstStyle/>
+          <a:p>
+            <a:pPr lvl="0"/>
+            <a:r>
+              <a:rPr lang="de-DE" dirty="0"/>
+              <a:t>SUPERVISED LEARNING</a:t>
+            </a:r>
+            <a:endParaRPr lang="en" dirty="0"/>
+          </a:p>
+        </p:txBody>
+      </p:sp>
+      <p:sp>
+        <p:nvSpPr>
+          <p:cNvPr id="269" name="Shape 269"/>
+          <p:cNvSpPr txBox="1">
+            <a:spLocks noGrp="1"/>
+          </p:cNvSpPr>
+          <p:nvPr>
+            <p:ph type="body" idx="2"/>
+          </p:nvPr>
+        </p:nvSpPr>
+        <p:spPr>
+          <a:xfrm>
+            <a:off x="4396123" y="1537988"/>
+            <a:ext cx="3378300" cy="2724300"/>
+          </a:xfrm>
+          <a:prstGeom prst="rect">
+            <a:avLst/>
+          </a:prstGeom>
+        </p:spPr>
+        <p:txBody>
+          <a:bodyPr wrap="square" lIns="91425" tIns="91425" rIns="91425" bIns="91425" anchor="t" anchorCtr="0">
+            <a:noAutofit/>
+          </a:bodyPr>
+          <a:lstStyle/>
+          <a:p>
+            <a:pPr lvl="0" rtl="0">
+              <a:spcBef>
+                <a:spcPts val="0"/>
+              </a:spcBef>
+              <a:buNone/>
+            </a:pPr>
+            <a:r>
+              <a:rPr lang="de-DE" b="1" dirty="0"/>
+              <a:t>Klassifikation</a:t>
+            </a:r>
+            <a:endParaRPr lang="en" b="1" dirty="0"/>
+          </a:p>
+          <a:p>
+            <a:pPr lvl="0">
+              <a:spcBef>
+                <a:spcPts val="0"/>
+              </a:spcBef>
+              <a:buNone/>
+            </a:pPr>
+            <a:r>
+              <a:rPr lang="de-DE" dirty="0"/>
+              <a:t>Anhand der Input Features soll als Output die Klasse ausgegeben werden, die der Daten am ähnlichsten ist.</a:t>
+            </a:r>
+          </a:p>
+          <a:p>
+            <a:pPr lvl="0">
+              <a:spcBef>
+                <a:spcPts val="0"/>
+              </a:spcBef>
+              <a:buNone/>
+            </a:pPr>
+            <a:r>
+              <a:rPr lang="de-DE" dirty="0"/>
+              <a:t>z.B. Das Erkennen von Tierarten auf Bildern</a:t>
+            </a:r>
+            <a:endParaRPr lang="en" dirty="0"/>
+          </a:p>
+        </p:txBody>
+      </p:sp>
+      <p:sp>
+        <p:nvSpPr>
+          <p:cNvPr id="270" name="Shape 270"/>
+          <p:cNvSpPr txBox="1">
+            <a:spLocks noGrp="1"/>
+          </p:cNvSpPr>
+          <p:nvPr>
+            <p:ph type="sldNum" idx="12"/>
+          </p:nvPr>
+        </p:nvSpPr>
+        <p:spPr>
+          <a:xfrm>
+            <a:off x="7618000" y="4636500"/>
+            <a:ext cx="1487400" cy="315600"/>
+          </a:xfrm>
+          <a:prstGeom prst="rect">
+            <a:avLst/>
+          </a:prstGeom>
+        </p:spPr>
+        <p:txBody>
+          <a:bodyPr wrap="square" lIns="91425" tIns="91425" rIns="91425" bIns="91425" anchor="ctr" anchorCtr="0">
+            <a:noAutofit/>
+          </a:bodyPr>
+          <a:lstStyle/>
+          <a:p>
+            <a:pPr lvl="0">
+              <a:spcBef>
+                <a:spcPts val="0"/>
+              </a:spcBef>
+              <a:buNone/>
+            </a:pPr>
+            <a:fld id="{00000000-1234-1234-1234-123412341234}" type="slidenum">
+              <a:rPr lang="en"/>
+              <a:t>7</a:t>
+            </a:fld>
+            <a:endParaRPr lang="en"/>
+          </a:p>
+        </p:txBody>
+      </p:sp>
+    </p:spTree>
+    <p:extLst>
+      <p:ext uri="{BB962C8B-B14F-4D97-AF65-F5344CB8AC3E}">
+        <p14:creationId xmlns:p14="http://schemas.microsoft.com/office/powerpoint/2010/main" val="2967270124"/>
+      </p:ext>
+    </p:extLst>
+  </p:cSld>
+  <p:clrMapOvr>
+    <a:masterClrMapping/>
+  </p:clrMapOvr>
+</p:sld>
+</file>
+
+<file path=ppt/slides/slide8.xml><?xml version="1.0" encoding="utf-8"?>
 <p:sld xmlns:a="http://schemas.openxmlformats.org/drawingml/2006/main" xmlns:r="http://schemas.openxmlformats.org/officeDocument/2006/relationships" xmlns:p="http://schemas.openxmlformats.org/presentationml/2006/main">
   <p:cSld>
     <p:spTree>
@@ -6408,10 +8443,14 @@
           </a:bodyPr>
           <a:lstStyle/>
           <a:p>
-            <a:pPr lvl="0"/>
+            <a:pPr marL="76200" lvl="0">
+              <a:spcAft>
+                <a:spcPts val="1000"/>
+              </a:spcAft>
+            </a:pPr>
             <a:r>
               <a:rPr lang="de-DE" dirty="0"/>
-              <a:t>WAS BENÖTIGEN WIR?</a:t>
+              <a:t>EIGENSCHAFTEN DES MODELLS</a:t>
             </a:r>
             <a:endParaRPr lang="en" dirty="0"/>
           </a:p>
@@ -6429,8 +8468,8 @@
         </p:nvSpPr>
         <p:spPr>
           <a:xfrm>
-            <a:off x="814274" y="1327350"/>
-            <a:ext cx="7817108" cy="3145500"/>
+            <a:off x="814274" y="1410474"/>
+            <a:ext cx="6803725" cy="3145500"/>
           </a:xfrm>
           <a:prstGeom prst="rect">
             <a:avLst/>
@@ -6442,70 +8481,43 @@
           </a:bodyPr>
           <a:lstStyle/>
           <a:p>
-            <a:pPr marL="457200" lvl="0" indent="-381000" rtl="0">
-              <a:spcBef>
-                <a:spcPts val="0"/>
-              </a:spcBef>
-              <a:spcAft>
-                <a:spcPts val="1000"/>
-              </a:spcAft>
-              <a:buSzPct val="100000"/>
+            <a:pPr marL="457200" lvl="0" indent="-381000">
               <a:buFont typeface="Arial" panose="020B0604020202020204" pitchFamily="34" charset="0"/>
               <a:buChar char="•"/>
             </a:pPr>
             <a:r>
               <a:rPr lang="de-DE" dirty="0"/>
-              <a:t>Ausreichend </a:t>
-            </a:r>
-            <a:r>
-              <a:rPr lang="de-DE"/>
-              <a:t>große Datensätze</a:t>
+              <a:t>Das Modell soll anhand der Features die richtigen Aussagen treffen</a:t>
             </a:r>
           </a:p>
           <a:p>
-            <a:pPr marL="457200" lvl="0" indent="-381000" rtl="0">
-              <a:spcBef>
-                <a:spcPts val="0"/>
-              </a:spcBef>
-              <a:spcAft>
-                <a:spcPts val="1000"/>
-              </a:spcAft>
-              <a:buSzPct val="100000"/>
-              <a:buFont typeface="Arial" panose="020B0604020202020204" pitchFamily="34" charset="0"/>
-              <a:buChar char="•"/>
-            </a:pPr>
-            <a:r>
-              <a:rPr lang="de-DE"/>
-              <a:t>Die </a:t>
-            </a:r>
-            <a:r>
-              <a:rPr lang="de-DE" dirty="0"/>
-              <a:t>Daten müssen der Problemstellung </a:t>
-            </a:r>
-            <a:r>
-              <a:rPr lang="de-DE" i="1" dirty="0"/>
-              <a:t>genau</a:t>
-            </a:r>
-            <a:r>
-              <a:rPr lang="de-DE" dirty="0"/>
-              <a:t> entsprechen</a:t>
-            </a:r>
-          </a:p>
-          <a:p>
-            <a:pPr marL="457200" lvl="0" indent="-381000" rtl="0">
-              <a:spcBef>
-                <a:spcPts val="0"/>
-              </a:spcBef>
-              <a:spcAft>
-                <a:spcPts val="1000"/>
-              </a:spcAft>
-              <a:buSzPct val="100000"/>
+            <a:pPr marL="457200" lvl="0" indent="-381000">
               <a:buFont typeface="Arial" panose="020B0604020202020204" pitchFamily="34" charset="0"/>
               <a:buChar char="•"/>
             </a:pPr>
             <a:r>
               <a:rPr lang="de-DE" dirty="0"/>
-              <a:t>Dafür wird ein tiefes Verständnis für das Problem verlangt</a:t>
+              <a:t>Wir „Überwachen“ das Programm beim Training</a:t>
+            </a:r>
+          </a:p>
+          <a:p>
+            <a:pPr marL="457200" lvl="0" indent="-381000">
+              <a:buFont typeface="Arial" panose="020B0604020202020204" pitchFamily="34" charset="0"/>
+              <a:buChar char="•"/>
+            </a:pPr>
+            <a:r>
+              <a:rPr lang="de-DE" dirty="0"/>
+              <a:t>Beim Training wissen wir welcher Output zu dem jeweiligen Input richtig ist</a:t>
+            </a:r>
+          </a:p>
+          <a:p>
+            <a:pPr marL="457200" lvl="0" indent="-381000">
+              <a:buFont typeface="Arial" panose="020B0604020202020204" pitchFamily="34" charset="0"/>
+              <a:buChar char="•"/>
+            </a:pPr>
+            <a:r>
+              <a:rPr lang="de-DE" dirty="0"/>
+              <a:t>Somit sind wir der Lehrer des Modells, der auf Fehler hinweist</a:t>
             </a:r>
             <a:endParaRPr lang="en" dirty="0"/>
           </a:p>
@@ -6544,7 +8556,7 @@
             </a:pPr>
             <a:fld id="{00000000-1234-1234-1234-123412341234}" type="slidenum">
               <a:rPr lang="en"/>
-              <a:t>5</a:t>
+              <a:t>8</a:t>
             </a:fld>
             <a:endParaRPr lang="en"/>
           </a:p>
@@ -6553,7 +8565,7 @@
     </p:spTree>
     <p:extLst>
       <p:ext uri="{BB962C8B-B14F-4D97-AF65-F5344CB8AC3E}">
-        <p14:creationId xmlns:p14="http://schemas.microsoft.com/office/powerpoint/2010/main" val="1472253043"/>
+        <p14:creationId xmlns:p14="http://schemas.microsoft.com/office/powerpoint/2010/main" val="728981984"/>
       </p:ext>
     </p:extLst>
   </p:cSld>
@@ -6563,7 +8575,7 @@
 </p:sld>
 </file>
 
-<file path=ppt/slides/slide6.xml><?xml version="1.0" encoding="utf-8"?>
+<file path=ppt/slides/slide9.xml><?xml version="1.0" encoding="utf-8"?>
 <p:sld xmlns:a="http://schemas.openxmlformats.org/drawingml/2006/main" xmlns:r="http://schemas.openxmlformats.org/officeDocument/2006/relationships" xmlns:p="http://schemas.openxmlformats.org/presentationml/2006/main">
   <p:cSld>
     <p:spTree>
@@ -6605,10 +8617,14 @@
           </a:bodyPr>
           <a:lstStyle/>
           <a:p>
-            <a:pPr lvl="0"/>
+            <a:pPr marL="76200" lvl="0">
+              <a:spcAft>
+                <a:spcPts val="1000"/>
+              </a:spcAft>
+            </a:pPr>
             <a:r>
               <a:rPr lang="de-DE" dirty="0"/>
-              <a:t>CURSE OF DIMENSIONALITY</a:t>
+              <a:t>DER LERNPROZESS</a:t>
             </a:r>
             <a:endParaRPr lang="en" dirty="0"/>
           </a:p>
@@ -6626,8 +8642,8 @@
         </p:nvSpPr>
         <p:spPr>
           <a:xfrm>
-            <a:off x="814274" y="1625064"/>
-            <a:ext cx="7817108" cy="3145500"/>
+            <a:off x="814274" y="1327350"/>
+            <a:ext cx="6803725" cy="3145500"/>
           </a:xfrm>
           <a:prstGeom prst="rect">
             <a:avLst/>
@@ -6639,38 +8655,35 @@
           </a:bodyPr>
           <a:lstStyle/>
           <a:p>
-            <a:pPr marL="457200" lvl="0" indent="-381000" rtl="0">
-              <a:spcBef>
-                <a:spcPts val="0"/>
-              </a:spcBef>
-              <a:spcAft>
-                <a:spcPts val="1000"/>
-              </a:spcAft>
-              <a:buSzPct val="100000"/>
+            <a:pPr marL="457200" lvl="0" indent="-381000">
               <a:buFont typeface="Arial" panose="020B0604020202020204" pitchFamily="34" charset="0"/>
               <a:buChar char="•"/>
             </a:pPr>
             <a:r>
               <a:rPr lang="de-DE" dirty="0"/>
-              <a:t>Bei einer hohen Anzahl an Feature Dimensionen, steigt auch die Komplexität der Modelle</a:t>
+              <a:t>Wenn ein Fehler beim Training auftritt, muss erforscht werden warum er auftrat</a:t>
             </a:r>
           </a:p>
           <a:p>
-            <a:pPr marL="457200" lvl="0" indent="-381000" rtl="0">
-              <a:spcBef>
-                <a:spcPts val="0"/>
-              </a:spcBef>
-              <a:spcAft>
-                <a:spcPts val="1000"/>
-              </a:spcAft>
-              <a:buSzPct val="100000"/>
+            <a:pPr marL="457200" lvl="0" indent="-381000">
               <a:buFont typeface="Arial" panose="020B0604020202020204" pitchFamily="34" charset="0"/>
               <a:buChar char="•"/>
             </a:pPr>
             <a:r>
               <a:rPr lang="de-DE" dirty="0"/>
-              <a:t>Ebenfalls benötigt man sehr viele Datenpunkte</a:t>
+              <a:t>Das Programm soll dann nach Anpassung der Parameter ein besseres Ergebnis liefern</a:t>
             </a:r>
+          </a:p>
+          <a:p>
+            <a:pPr marL="457200" lvl="0" indent="-381000">
+              <a:buFont typeface="Arial" panose="020B0604020202020204" pitchFamily="34" charset="0"/>
+              <a:buChar char="•"/>
+            </a:pPr>
+            <a:r>
+              <a:rPr lang="de-DE" dirty="0"/>
+              <a:t>Das Ziel ist dann anhand des Trainings ein allgemeingültiges System zu haben</a:t>
+            </a:r>
+            <a:endParaRPr lang="en" dirty="0"/>
           </a:p>
         </p:txBody>
       </p:sp>
@@ -6707,7 +8720,7 @@
             </a:pPr>
             <a:fld id="{00000000-1234-1234-1234-123412341234}" type="slidenum">
               <a:rPr lang="en"/>
-              <a:t>6</a:t>
+              <a:t>9</a:t>
             </a:fld>
             <a:endParaRPr lang="en"/>
           </a:p>
@@ -6716,7 +8729,7 @@
     </p:spTree>
     <p:extLst>
       <p:ext uri="{BB962C8B-B14F-4D97-AF65-F5344CB8AC3E}">
-        <p14:creationId xmlns:p14="http://schemas.microsoft.com/office/powerpoint/2010/main" val="2954417407"/>
+        <p14:creationId xmlns:p14="http://schemas.microsoft.com/office/powerpoint/2010/main" val="1679968908"/>
       </p:ext>
     </p:extLst>
   </p:cSld>
